--- a/modelisator/Gestion de projet/2015_06_18 [Modelisator] Step 6/2015_06_18  [Modelisator] Presentation - Cedric.pptx
+++ b/modelisator/Gestion de projet/2015_06_18 [Modelisator] Step 6/2015_06_18  [Modelisator] Presentation - Cedric.pptx
@@ -582,6 +582,7 @@
           <a:p>
             <a:fld id="{AA309A6D-C09C-4548-B29A-6CF363A7E532}" type="datetimeFigureOut">
               <a:rPr lang="fr-FR" smtClean="0"/>
+              <a:pPr/>
               <a:t>18/06/2015</a:t>
             </a:fld>
             <a:endParaRPr lang="fr-BE"/>
@@ -624,6 +625,7 @@
           <a:p>
             <a:fld id="{CF4668DC-857F-487D-BFFA-8C0CA5037977}" type="slidenum">
               <a:rPr lang="fr-BE" smtClean="0"/>
+              <a:pPr/>
               <a:t>‹N°›</a:t>
             </a:fld>
             <a:endParaRPr lang="fr-BE"/>
@@ -747,6 +749,7 @@
           <a:p>
             <a:fld id="{AA309A6D-C09C-4548-B29A-6CF363A7E532}" type="datetimeFigureOut">
               <a:rPr lang="fr-FR" smtClean="0"/>
+              <a:pPr/>
               <a:t>18/06/2015</a:t>
             </a:fld>
             <a:endParaRPr lang="fr-BE"/>
@@ -789,6 +792,7 @@
           <a:p>
             <a:fld id="{CF4668DC-857F-487D-BFFA-8C0CA5037977}" type="slidenum">
               <a:rPr lang="fr-BE" smtClean="0"/>
+              <a:pPr/>
               <a:t>‹N°›</a:t>
             </a:fld>
             <a:endParaRPr lang="fr-BE"/>
@@ -922,6 +926,7 @@
           <a:p>
             <a:fld id="{AA309A6D-C09C-4548-B29A-6CF363A7E532}" type="datetimeFigureOut">
               <a:rPr lang="fr-FR" smtClean="0"/>
+              <a:pPr/>
               <a:t>18/06/2015</a:t>
             </a:fld>
             <a:endParaRPr lang="fr-BE"/>
@@ -964,6 +969,7 @@
           <a:p>
             <a:fld id="{CF4668DC-857F-487D-BFFA-8C0CA5037977}" type="slidenum">
               <a:rPr lang="fr-BE" smtClean="0"/>
+              <a:pPr/>
               <a:t>‹N°›</a:t>
             </a:fld>
             <a:endParaRPr lang="fr-BE"/>
@@ -1087,6 +1093,7 @@
           <a:p>
             <a:fld id="{AA309A6D-C09C-4548-B29A-6CF363A7E532}" type="datetimeFigureOut">
               <a:rPr lang="fr-FR" smtClean="0"/>
+              <a:pPr/>
               <a:t>18/06/2015</a:t>
             </a:fld>
             <a:endParaRPr lang="fr-BE"/>
@@ -1129,6 +1136,7 @@
           <a:p>
             <a:fld id="{CF4668DC-857F-487D-BFFA-8C0CA5037977}" type="slidenum">
               <a:rPr lang="fr-BE" smtClean="0"/>
+              <a:pPr/>
               <a:t>‹N°›</a:t>
             </a:fld>
             <a:endParaRPr lang="fr-BE"/>
@@ -1640,6 +1648,7 @@
           <a:p>
             <a:fld id="{AA309A6D-C09C-4548-B29A-6CF363A7E532}" type="datetimeFigureOut">
               <a:rPr lang="fr-FR" smtClean="0"/>
+              <a:pPr/>
               <a:t>18/06/2015</a:t>
             </a:fld>
             <a:endParaRPr lang="fr-BE"/>
@@ -1682,6 +1691,7 @@
           <a:p>
             <a:fld id="{CF4668DC-857F-487D-BFFA-8C0CA5037977}" type="slidenum">
               <a:rPr lang="fr-BE" smtClean="0"/>
+              <a:pPr/>
               <a:t>‹N°›</a:t>
             </a:fld>
             <a:endParaRPr lang="fr-BE"/>
@@ -1900,6 +1910,7 @@
           <a:p>
             <a:fld id="{AA309A6D-C09C-4548-B29A-6CF363A7E532}" type="datetimeFigureOut">
               <a:rPr lang="fr-FR" smtClean="0"/>
+              <a:pPr/>
               <a:t>18/06/2015</a:t>
             </a:fld>
             <a:endParaRPr lang="fr-BE"/>
@@ -1942,6 +1953,7 @@
           <a:p>
             <a:fld id="{CF4668DC-857F-487D-BFFA-8C0CA5037977}" type="slidenum">
               <a:rPr lang="fr-BE" smtClean="0"/>
+              <a:pPr/>
               <a:t>‹N°›</a:t>
             </a:fld>
             <a:endParaRPr lang="fr-BE"/>
@@ -2388,6 +2400,7 @@
           <a:p>
             <a:fld id="{AA309A6D-C09C-4548-B29A-6CF363A7E532}" type="datetimeFigureOut">
               <a:rPr lang="fr-FR" smtClean="0"/>
+              <a:pPr/>
               <a:t>18/06/2015</a:t>
             </a:fld>
             <a:endParaRPr lang="fr-BE"/>
@@ -2430,6 +2443,7 @@
           <a:p>
             <a:fld id="{CF4668DC-857F-487D-BFFA-8C0CA5037977}" type="slidenum">
               <a:rPr lang="fr-BE" smtClean="0"/>
+              <a:pPr/>
               <a:t>‹N°›</a:t>
             </a:fld>
             <a:endParaRPr lang="fr-BE"/>
@@ -2501,6 +2515,7 @@
           <a:p>
             <a:fld id="{AA309A6D-C09C-4548-B29A-6CF363A7E532}" type="datetimeFigureOut">
               <a:rPr lang="fr-FR" smtClean="0"/>
+              <a:pPr/>
               <a:t>18/06/2015</a:t>
             </a:fld>
             <a:endParaRPr lang="fr-BE"/>
@@ -2543,6 +2558,7 @@
           <a:p>
             <a:fld id="{CF4668DC-857F-487D-BFFA-8C0CA5037977}" type="slidenum">
               <a:rPr lang="fr-BE" smtClean="0"/>
+              <a:pPr/>
               <a:t>‹N°›</a:t>
             </a:fld>
             <a:endParaRPr lang="fr-BE"/>
@@ -2591,6 +2607,7 @@
           <a:p>
             <a:fld id="{AA309A6D-C09C-4548-B29A-6CF363A7E532}" type="datetimeFigureOut">
               <a:rPr lang="fr-FR" smtClean="0"/>
+              <a:pPr/>
               <a:t>18/06/2015</a:t>
             </a:fld>
             <a:endParaRPr lang="fr-BE"/>
@@ -2633,6 +2650,7 @@
           <a:p>
             <a:fld id="{CF4668DC-857F-487D-BFFA-8C0CA5037977}" type="slidenum">
               <a:rPr lang="fr-BE" smtClean="0"/>
+              <a:pPr/>
               <a:t>‹N°›</a:t>
             </a:fld>
             <a:endParaRPr lang="fr-BE"/>
@@ -3021,6 +3039,7 @@
           <a:p>
             <a:fld id="{AA309A6D-C09C-4548-B29A-6CF363A7E532}" type="datetimeFigureOut">
               <a:rPr lang="fr-FR" smtClean="0"/>
+              <a:pPr/>
               <a:t>18/06/2015</a:t>
             </a:fld>
             <a:endParaRPr lang="fr-BE"/>
@@ -3085,6 +3104,7 @@
           <a:p>
             <a:fld id="{CF4668DC-857F-487D-BFFA-8C0CA5037977}" type="slidenum">
               <a:rPr lang="fr-BE" smtClean="0"/>
+              <a:pPr/>
               <a:t>‹N°›</a:t>
             </a:fld>
             <a:endParaRPr lang="fr-BE"/>
@@ -3554,6 +3574,7 @@
           <a:p>
             <a:fld id="{AA309A6D-C09C-4548-B29A-6CF363A7E532}" type="datetimeFigureOut">
               <a:rPr lang="fr-FR" smtClean="0"/>
+              <a:pPr/>
               <a:t>18/06/2015</a:t>
             </a:fld>
             <a:endParaRPr lang="fr-BE"/>
@@ -3596,6 +3617,7 @@
           <a:p>
             <a:fld id="{CF4668DC-857F-487D-BFFA-8C0CA5037977}" type="slidenum">
               <a:rPr lang="fr-BE" smtClean="0"/>
+              <a:pPr/>
               <a:t>‹N°›</a:t>
             </a:fld>
             <a:endParaRPr lang="fr-BE"/>
@@ -4394,6 +4416,7 @@
           <a:p>
             <a:fld id="{AA309A6D-C09C-4548-B29A-6CF363A7E532}" type="datetimeFigureOut">
               <a:rPr lang="fr-FR" smtClean="0"/>
+              <a:pPr/>
               <a:t>18/06/2015</a:t>
             </a:fld>
             <a:endParaRPr lang="fr-BE"/>
@@ -4475,6 +4498,7 @@
           <a:p>
             <a:fld id="{CF4668DC-857F-487D-BFFA-8C0CA5037977}" type="slidenum">
               <a:rPr lang="fr-BE" smtClean="0"/>
+              <a:pPr/>
               <a:t>‹N°›</a:t>
             </a:fld>
             <a:endParaRPr lang="fr-BE"/>
@@ -4865,7 +4889,7 @@
           <a:blip r:embed="rId2" cstate="print">
             <a:extLst>
               <a:ext uri="{28A0092B-C50C-407E-A947-70E740481C1C}">
-                <a14:useLocalDpi xmlns:a14="http://schemas.microsoft.com/office/drawing/2010/main" val="0"/>
+                <a14:useLocalDpi xmlns:a14="http://schemas.microsoft.com/office/drawing/2010/main" xmlns="" val="0"/>
               </a:ext>
             </a:extLst>
           </a:blip>
@@ -4885,7 +4909,7 @@
           <a:noFill/>
           <a:extLst>
             <a:ext uri="{909E8E84-426E-40DD-AFC4-6F175D3DCCD1}">
-              <a14:hiddenFill xmlns:a14="http://schemas.microsoft.com/office/drawing/2010/main">
+              <a14:hiddenFill xmlns:a14="http://schemas.microsoft.com/office/drawing/2010/main" xmlns="">
                 <a:solidFill>
                   <a:srgbClr val="FFFFFF"/>
                 </a:solidFill>
@@ -4916,6 +4940,7 @@
           <a:p>
             <a:fld id="{FC00881E-08D3-4821-BE71-05780B44B38C}" type="datetime1">
               <a:rPr lang="fr-FR" smtClean="0"/>
+              <a:pPr/>
               <a:t>18/06/2015</a:t>
             </a:fld>
             <a:endParaRPr lang="fr-FR"/>
@@ -4966,7 +4991,7 @@
           <a:blip r:embed="rId3">
             <a:extLst>
               <a:ext uri="{28A0092B-C50C-407E-A947-70E740481C1C}">
-                <a14:useLocalDpi xmlns:a14="http://schemas.microsoft.com/office/drawing/2010/main" val="0"/>
+                <a14:useLocalDpi xmlns:a14="http://schemas.microsoft.com/office/drawing/2010/main" xmlns="" val="0"/>
               </a:ext>
             </a:extLst>
           </a:blip>
@@ -4990,14 +5015,14 @@
           <a:effectLst/>
           <a:extLst>
             <a:ext uri="{909E8E84-426E-40DD-AFC4-6F175D3DCCD1}">
-              <a14:hiddenFill xmlns:a14="http://schemas.microsoft.com/office/drawing/2010/main">
+              <a14:hiddenFill xmlns:a14="http://schemas.microsoft.com/office/drawing/2010/main" xmlns="">
                 <a:solidFill>
                   <a:schemeClr val="accent1"/>
                 </a:solidFill>
               </a14:hiddenFill>
             </a:ext>
             <a:ext uri="{91240B29-F687-4F45-9708-019B960494DF}">
-              <a14:hiddenLine xmlns:a14="http://schemas.microsoft.com/office/drawing/2010/main" w="9525">
+              <a14:hiddenLine xmlns:a14="http://schemas.microsoft.com/office/drawing/2010/main" xmlns="" w="9525">
                 <a:solidFill>
                   <a:schemeClr val="tx1"/>
                 </a:solidFill>
@@ -5007,7 +5032,7 @@
               </a14:hiddenLine>
             </a:ext>
             <a:ext uri="{AF507438-7753-43E0-B8FC-AC1667EBCBE1}">
-              <a14:hiddenEffects xmlns:a14="http://schemas.microsoft.com/office/drawing/2010/main">
+              <a14:hiddenEffects xmlns:a14="http://schemas.microsoft.com/office/drawing/2010/main" xmlns="">
                 <a:effectLst>
                   <a:outerShdw dist="35921" dir="2700000" algn="ctr" rotWithShape="0">
                     <a:schemeClr val="bg2"/>
@@ -5030,7 +5055,7 @@
           <a:blip r:embed="rId4">
             <a:extLst>
               <a:ext uri="{28A0092B-C50C-407E-A947-70E740481C1C}">
-                <a14:useLocalDpi xmlns:a14="http://schemas.microsoft.com/office/drawing/2010/main" val="0"/>
+                <a14:useLocalDpi xmlns:a14="http://schemas.microsoft.com/office/drawing/2010/main" xmlns="" val="0"/>
               </a:ext>
             </a:extLst>
           </a:blip>
@@ -5052,14 +5077,14 @@
           <a:effectLst/>
           <a:extLst>
             <a:ext uri="{909E8E84-426E-40DD-AFC4-6F175D3DCCD1}">
-              <a14:hiddenFill xmlns:a14="http://schemas.microsoft.com/office/drawing/2010/main">
+              <a14:hiddenFill xmlns:a14="http://schemas.microsoft.com/office/drawing/2010/main" xmlns="">
                 <a:solidFill>
                   <a:schemeClr val="accent1"/>
                 </a:solidFill>
               </a14:hiddenFill>
             </a:ext>
             <a:ext uri="{91240B29-F687-4F45-9708-019B960494DF}">
-              <a14:hiddenLine xmlns:a14="http://schemas.microsoft.com/office/drawing/2010/main" w="9525">
+              <a14:hiddenLine xmlns:a14="http://schemas.microsoft.com/office/drawing/2010/main" xmlns="" w="9525">
                 <a:solidFill>
                   <a:schemeClr val="tx1"/>
                 </a:solidFill>
@@ -5069,7 +5094,7 @@
               </a14:hiddenLine>
             </a:ext>
             <a:ext uri="{AF507438-7753-43E0-B8FC-AC1667EBCBE1}">
-              <a14:hiddenEffects xmlns:a14="http://schemas.microsoft.com/office/drawing/2010/main">
+              <a14:hiddenEffects xmlns:a14="http://schemas.microsoft.com/office/drawing/2010/main" xmlns="">
                 <a:effectLst>
                   <a:outerShdw dist="35921" dir="2700000" algn="ctr" rotWithShape="0">
                     <a:schemeClr val="bg2"/>
@@ -5083,7 +5108,7 @@
     </p:spTree>
     <p:extLst>
       <p:ext uri="{BB962C8B-B14F-4D97-AF65-F5344CB8AC3E}">
-        <p14:creationId xmlns:p14="http://schemas.microsoft.com/office/powerpoint/2010/main" val="3104361626"/>
+        <p14:creationId xmlns:p14="http://schemas.microsoft.com/office/powerpoint/2010/main" xmlns="" val="3104361626"/>
       </p:ext>
     </p:extLst>
   </p:cSld>
@@ -5267,7 +5292,7 @@
     </p:spTree>
     <p:extLst>
       <p:ext uri="{BB962C8B-B14F-4D97-AF65-F5344CB8AC3E}">
-        <p14:creationId xmlns:p14="http://schemas.microsoft.com/office/powerpoint/2010/main" val="1858233497"/>
+        <p14:creationId xmlns:p14="http://schemas.microsoft.com/office/powerpoint/2010/main" xmlns="" val="1858233497"/>
       </p:ext>
     </p:extLst>
   </p:cSld>
@@ -5313,7 +5338,7 @@
           <a:blip r:embed="rId2" cstate="print">
             <a:extLst>
               <a:ext uri="{28A0092B-C50C-407E-A947-70E740481C1C}">
-                <a14:useLocalDpi xmlns:a14="http://schemas.microsoft.com/office/drawing/2010/main" val="0"/>
+                <a14:useLocalDpi xmlns:a14="http://schemas.microsoft.com/office/drawing/2010/main" xmlns="" val="0"/>
               </a:ext>
             </a:extLst>
           </a:blip>
@@ -5333,7 +5358,7 @@
           <a:noFill/>
           <a:extLst>
             <a:ext uri="{909E8E84-426E-40DD-AFC4-6F175D3DCCD1}">
-              <a14:hiddenFill xmlns:a14="http://schemas.microsoft.com/office/drawing/2010/main">
+              <a14:hiddenFill xmlns:a14="http://schemas.microsoft.com/office/drawing/2010/main" xmlns="">
                 <a:solidFill>
                   <a:srgbClr val="FFFFFF"/>
                 </a:solidFill>
@@ -5431,7 +5456,7 @@
     </p:spTree>
     <p:extLst>
       <p:ext uri="{BB962C8B-B14F-4D97-AF65-F5344CB8AC3E}">
-        <p14:creationId xmlns:p14="http://schemas.microsoft.com/office/powerpoint/2010/main" val="347475455"/>
+        <p14:creationId xmlns:p14="http://schemas.microsoft.com/office/powerpoint/2010/main" xmlns="" val="347475455"/>
       </p:ext>
     </p:extLst>
   </p:cSld>
@@ -5500,14 +5525,6 @@
               </a:rPr>
               <a:t>II. Modelisator</a:t>
             </a:r>
-            <a:endParaRPr lang="fr-FR" sz="2800" kern="1200" cap="all" dirty="0">
-              <a:solidFill>
-                <a:schemeClr val="tx1"/>
-              </a:solidFill>
-              <a:latin typeface="+mj-lt"/>
-              <a:ea typeface="+mj-ea"/>
-              <a:cs typeface="+mj-cs"/>
-            </a:endParaRPr>
           </a:p>
         </p:txBody>
       </p:sp>
@@ -5623,7 +5640,7 @@
           <a:blip r:embed="rId2">
             <a:extLst>
               <a:ext uri="{28A0092B-C50C-407E-A947-70E740481C1C}">
-                <a14:useLocalDpi xmlns:a14="http://schemas.microsoft.com/office/drawing/2010/main" val="0"/>
+                <a14:useLocalDpi xmlns:a14="http://schemas.microsoft.com/office/drawing/2010/main" xmlns="" val="0"/>
               </a:ext>
             </a:extLst>
           </a:blip>
@@ -5647,14 +5664,14 @@
           <a:effectLst/>
           <a:extLst>
             <a:ext uri="{909E8E84-426E-40DD-AFC4-6F175D3DCCD1}">
-              <a14:hiddenFill xmlns:a14="http://schemas.microsoft.com/office/drawing/2010/main">
+              <a14:hiddenFill xmlns:a14="http://schemas.microsoft.com/office/drawing/2010/main" xmlns="">
                 <a:solidFill>
                   <a:schemeClr val="accent1"/>
                 </a:solidFill>
               </a14:hiddenFill>
             </a:ext>
             <a:ext uri="{91240B29-F687-4F45-9708-019B960494DF}">
-              <a14:hiddenLine xmlns:a14="http://schemas.microsoft.com/office/drawing/2010/main" w="9525">
+              <a14:hiddenLine xmlns:a14="http://schemas.microsoft.com/office/drawing/2010/main" xmlns="" w="9525">
                 <a:solidFill>
                   <a:schemeClr val="tx1"/>
                 </a:solidFill>
@@ -5664,7 +5681,7 @@
               </a14:hiddenLine>
             </a:ext>
             <a:ext uri="{AF507438-7753-43E0-B8FC-AC1667EBCBE1}">
-              <a14:hiddenEffects xmlns:a14="http://schemas.microsoft.com/office/drawing/2010/main">
+              <a14:hiddenEffects xmlns:a14="http://schemas.microsoft.com/office/drawing/2010/main" xmlns="">
                 <a:effectLst>
                   <a:outerShdw dist="35921" dir="2700000" algn="ctr" rotWithShape="0">
                     <a:schemeClr val="bg2"/>
@@ -5678,7 +5695,7 @@
     </p:spTree>
     <p:extLst>
       <p:ext uri="{BB962C8B-B14F-4D97-AF65-F5344CB8AC3E}">
-        <p14:creationId xmlns:p14="http://schemas.microsoft.com/office/powerpoint/2010/main" val="3489843488"/>
+        <p14:creationId xmlns:p14="http://schemas.microsoft.com/office/powerpoint/2010/main" xmlns="" val="3489843488"/>
       </p:ext>
     </p:extLst>
   </p:cSld>
@@ -5783,7 +5800,7 @@
           <a:blip r:embed="rId2">
             <a:extLst>
               <a:ext uri="{28A0092B-C50C-407E-A947-70E740481C1C}">
-                <a14:useLocalDpi xmlns:a14="http://schemas.microsoft.com/office/drawing/2010/main" val="0"/>
+                <a14:useLocalDpi xmlns:a14="http://schemas.microsoft.com/office/drawing/2010/main" xmlns="" val="0"/>
               </a:ext>
             </a:extLst>
           </a:blip>
@@ -5807,14 +5824,14 @@
           <a:effectLst/>
           <a:extLst>
             <a:ext uri="{909E8E84-426E-40DD-AFC4-6F175D3DCCD1}">
-              <a14:hiddenFill xmlns:a14="http://schemas.microsoft.com/office/drawing/2010/main">
+              <a14:hiddenFill xmlns:a14="http://schemas.microsoft.com/office/drawing/2010/main" xmlns="">
                 <a:solidFill>
                   <a:schemeClr val="accent1"/>
                 </a:solidFill>
               </a14:hiddenFill>
             </a:ext>
             <a:ext uri="{91240B29-F687-4F45-9708-019B960494DF}">
-              <a14:hiddenLine xmlns:a14="http://schemas.microsoft.com/office/drawing/2010/main" w="9525">
+              <a14:hiddenLine xmlns:a14="http://schemas.microsoft.com/office/drawing/2010/main" xmlns="" w="9525">
                 <a:solidFill>
                   <a:schemeClr val="tx1"/>
                 </a:solidFill>
@@ -5824,7 +5841,7 @@
               </a14:hiddenLine>
             </a:ext>
             <a:ext uri="{AF507438-7753-43E0-B8FC-AC1667EBCBE1}">
-              <a14:hiddenEffects xmlns:a14="http://schemas.microsoft.com/office/drawing/2010/main">
+              <a14:hiddenEffects xmlns:a14="http://schemas.microsoft.com/office/drawing/2010/main" xmlns="">
                 <a:effectLst>
                   <a:outerShdw dist="35921" dir="2700000" algn="ctr" rotWithShape="0">
                     <a:schemeClr val="bg2"/>
@@ -5854,7 +5871,7 @@
           <a:noFill/>
           <a:extLst>
             <a:ext uri="{909E8E84-426E-40DD-AFC4-6F175D3DCCD1}">
-              <a14:hiddenFill xmlns:a14="http://schemas.microsoft.com/office/drawing/2010/main">
+              <a14:hiddenFill xmlns:a14="http://schemas.microsoft.com/office/drawing/2010/main" xmlns="">
                 <a:solidFill>
                   <a:srgbClr val="FFFFFF"/>
                 </a:solidFill>
@@ -5893,7 +5910,7 @@
           <a:noFill/>
           <a:extLst>
             <a:ext uri="{909E8E84-426E-40DD-AFC4-6F175D3DCCD1}">
-              <a14:hiddenFill xmlns:a14="http://schemas.microsoft.com/office/drawing/2010/main">
+              <a14:hiddenFill xmlns:a14="http://schemas.microsoft.com/office/drawing/2010/main" xmlns="">
                 <a:solidFill>
                   <a:srgbClr val="FFFFFF"/>
                 </a:solidFill>
@@ -5932,7 +5949,7 @@
           <a:noFill/>
           <a:extLst>
             <a:ext uri="{909E8E84-426E-40DD-AFC4-6F175D3DCCD1}">
-              <a14:hiddenFill xmlns:a14="http://schemas.microsoft.com/office/drawing/2010/main">
+              <a14:hiddenFill xmlns:a14="http://schemas.microsoft.com/office/drawing/2010/main" xmlns="">
                 <a:solidFill>
                   <a:srgbClr val="FFFFFF"/>
                 </a:solidFill>
@@ -5964,7 +5981,7 @@
           <a:blip r:embed="rId3">
             <a:extLst>
               <a:ext uri="{28A0092B-C50C-407E-A947-70E740481C1C}">
-                <a14:useLocalDpi xmlns:a14="http://schemas.microsoft.com/office/drawing/2010/main" val="0"/>
+                <a14:useLocalDpi xmlns:a14="http://schemas.microsoft.com/office/drawing/2010/main" xmlns="" val="0"/>
               </a:ext>
             </a:extLst>
           </a:blip>
@@ -5984,7 +6001,7 @@
           <a:noFill/>
           <a:extLst>
             <a:ext uri="{909E8E84-426E-40DD-AFC4-6F175D3DCCD1}">
-              <a14:hiddenFill xmlns:a14="http://schemas.microsoft.com/office/drawing/2010/main">
+              <a14:hiddenFill xmlns:a14="http://schemas.microsoft.com/office/drawing/2010/main" xmlns="">
                 <a:solidFill>
                   <a:srgbClr val="FFFFFF"/>
                 </a:solidFill>
@@ -6005,7 +6022,7 @@
           <a:blip r:embed="rId4">
             <a:extLst>
               <a:ext uri="{28A0092B-C50C-407E-A947-70E740481C1C}">
-                <a14:useLocalDpi xmlns:a14="http://schemas.microsoft.com/office/drawing/2010/main" val="0"/>
+                <a14:useLocalDpi xmlns:a14="http://schemas.microsoft.com/office/drawing/2010/main" xmlns="" val="0"/>
               </a:ext>
             </a:extLst>
           </a:blip>
@@ -6025,7 +6042,7 @@
           <a:noFill/>
           <a:extLst>
             <a:ext uri="{909E8E84-426E-40DD-AFC4-6F175D3DCCD1}">
-              <a14:hiddenFill xmlns:a14="http://schemas.microsoft.com/office/drawing/2010/main">
+              <a14:hiddenFill xmlns:a14="http://schemas.microsoft.com/office/drawing/2010/main" xmlns="">
                 <a:solidFill>
                   <a:srgbClr val="FFFFFF"/>
                 </a:solidFill>
@@ -6037,7 +6054,7 @@
     </p:spTree>
     <p:extLst>
       <p:ext uri="{BB962C8B-B14F-4D97-AF65-F5344CB8AC3E}">
-        <p14:creationId xmlns:p14="http://schemas.microsoft.com/office/powerpoint/2010/main" val="956742270"/>
+        <p14:creationId xmlns:p14="http://schemas.microsoft.com/office/powerpoint/2010/main" xmlns="" val="956742270"/>
       </p:ext>
     </p:extLst>
   </p:cSld>
@@ -6457,7 +6474,7 @@
           <a:blip r:embed="rId2">
             <a:extLst>
               <a:ext uri="{28A0092B-C50C-407E-A947-70E740481C1C}">
-                <a14:useLocalDpi xmlns:a14="http://schemas.microsoft.com/office/drawing/2010/main" val="0"/>
+                <a14:useLocalDpi xmlns:a14="http://schemas.microsoft.com/office/drawing/2010/main" xmlns="" val="0"/>
               </a:ext>
             </a:extLst>
           </a:blip>
@@ -6477,7 +6494,7 @@
           <a:noFill/>
           <a:extLst>
             <a:ext uri="{909E8E84-426E-40DD-AFC4-6F175D3DCCD1}">
-              <a14:hiddenFill xmlns:a14="http://schemas.microsoft.com/office/drawing/2010/main">
+              <a14:hiddenFill xmlns:a14="http://schemas.microsoft.com/office/drawing/2010/main" xmlns="">
                 <a:solidFill>
                   <a:srgbClr val="FFFFFF"/>
                 </a:solidFill>
@@ -6498,7 +6515,7 @@
           <a:blip r:embed="rId3">
             <a:extLst>
               <a:ext uri="{28A0092B-C50C-407E-A947-70E740481C1C}">
-                <a14:useLocalDpi xmlns:a14="http://schemas.microsoft.com/office/drawing/2010/main" val="0"/>
+                <a14:useLocalDpi xmlns:a14="http://schemas.microsoft.com/office/drawing/2010/main" xmlns="" val="0"/>
               </a:ext>
             </a:extLst>
           </a:blip>
@@ -6518,7 +6535,7 @@
           <a:noFill/>
           <a:extLst>
             <a:ext uri="{909E8E84-426E-40DD-AFC4-6F175D3DCCD1}">
-              <a14:hiddenFill xmlns:a14="http://schemas.microsoft.com/office/drawing/2010/main">
+              <a14:hiddenFill xmlns:a14="http://schemas.microsoft.com/office/drawing/2010/main" xmlns="">
                 <a:solidFill>
                   <a:srgbClr val="FFFFFF"/>
                 </a:solidFill>
@@ -6539,7 +6556,7 @@
           <a:blip r:embed="rId4">
             <a:extLst>
               <a:ext uri="{28A0092B-C50C-407E-A947-70E740481C1C}">
-                <a14:useLocalDpi xmlns:a14="http://schemas.microsoft.com/office/drawing/2010/main" val="0"/>
+                <a14:useLocalDpi xmlns:a14="http://schemas.microsoft.com/office/drawing/2010/main" xmlns="" val="0"/>
               </a:ext>
             </a:extLst>
           </a:blip>
@@ -6559,7 +6576,7 @@
           <a:noFill/>
           <a:extLst>
             <a:ext uri="{909E8E84-426E-40DD-AFC4-6F175D3DCCD1}">
-              <a14:hiddenFill xmlns:a14="http://schemas.microsoft.com/office/drawing/2010/main">
+              <a14:hiddenFill xmlns:a14="http://schemas.microsoft.com/office/drawing/2010/main" xmlns="">
                 <a:solidFill>
                   <a:srgbClr val="FFFFFF"/>
                 </a:solidFill>
@@ -6571,7 +6588,7 @@
     </p:spTree>
     <p:extLst>
       <p:ext uri="{BB962C8B-B14F-4D97-AF65-F5344CB8AC3E}">
-        <p14:creationId xmlns:p14="http://schemas.microsoft.com/office/powerpoint/2010/main" val="3165018152"/>
+        <p14:creationId xmlns:p14="http://schemas.microsoft.com/office/powerpoint/2010/main" xmlns="" val="3165018152"/>
       </p:ext>
     </p:extLst>
   </p:cSld>
@@ -6879,14 +6896,6 @@
               </a:rPr>
               <a:t>processus</a:t>
             </a:r>
-            <a:endParaRPr lang="fr-FR" sz="2800" kern="1200" cap="all" dirty="0">
-              <a:solidFill>
-                <a:schemeClr val="tx1"/>
-              </a:solidFill>
-              <a:latin typeface="+mj-lt"/>
-              <a:ea typeface="+mj-ea"/>
-              <a:cs typeface="+mj-cs"/>
-            </a:endParaRPr>
           </a:p>
         </p:txBody>
       </p:sp>
@@ -7133,7 +7142,7 @@
     </p:spTree>
     <p:extLst>
       <p:ext uri="{BB962C8B-B14F-4D97-AF65-F5344CB8AC3E}">
-        <p14:creationId xmlns:p14="http://schemas.microsoft.com/office/powerpoint/2010/main" val="3274109503"/>
+        <p14:creationId xmlns:p14="http://schemas.microsoft.com/office/powerpoint/2010/main" xmlns="" val="3274109503"/>
       </p:ext>
     </p:extLst>
   </p:cSld>
@@ -7182,33 +7191,160 @@
           <a:bodyPr/>
           <a:lstStyle/>
           <a:p>
+            <a:r>
+              <a:rPr lang="fr-FR" dirty="0" smtClean="0"/>
+              <a:t>VII – Tests</a:t>
+            </a:r>
+            <a:endParaRPr lang="fr-FR" dirty="0"/>
+          </a:p>
+        </p:txBody>
+      </p:sp>
+      <p:pic>
+        <p:nvPicPr>
+          <p:cNvPr id="5" name="Espace réservé du contenu 4" descr="test-produits.jpeg"/>
+          <p:cNvPicPr>
+            <a:picLocks noGrp="1" noChangeAspect="1"/>
+          </p:cNvPicPr>
+          <p:nvPr>
+            <p:ph idx="1"/>
+          </p:nvPr>
+        </p:nvPicPr>
+        <p:blipFill>
+          <a:blip r:embed="rId2"/>
+          <a:stretch>
+            <a:fillRect/>
+          </a:stretch>
+        </p:blipFill>
+        <p:spPr>
+          <a:xfrm>
+            <a:off x="5072066" y="1214422"/>
+            <a:ext cx="3810000" cy="2857500"/>
+          </a:xfrm>
+        </p:spPr>
+      </p:pic>
+      <p:sp>
+        <p:nvSpPr>
+          <p:cNvPr id="1026" name="AutoShape 2" descr="Résultat de recherche d'images pour &quot;test unitaire&quot;"/>
+          <p:cNvSpPr>
+            <a:spLocks noChangeAspect="1" noChangeArrowheads="1"/>
+          </p:cNvSpPr>
+          <p:nvPr/>
+        </p:nvSpPr>
+        <p:spPr bwMode="auto">
+          <a:xfrm>
+            <a:off x="155575" y="-144463"/>
+            <a:ext cx="304800" cy="304801"/>
+          </a:xfrm>
+          <a:prstGeom prst="rect">
+            <a:avLst/>
+          </a:prstGeom>
+          <a:noFill/>
+        </p:spPr>
+        <p:txBody>
+          <a:bodyPr vert="horz" wrap="square" lIns="91440" tIns="45720" rIns="91440" bIns="45720" numCol="1" anchor="t" anchorCtr="0" compatLnSpc="1">
+            <a:prstTxWarp prst="textNoShape">
+              <a:avLst/>
+            </a:prstTxWarp>
+          </a:bodyPr>
+          <a:lstStyle/>
+          <a:p>
             <a:endParaRPr lang="fr-FR"/>
           </a:p>
         </p:txBody>
       </p:sp>
       <p:sp>
         <p:nvSpPr>
-          <p:cNvPr id="3" name="Espace réservé du contenu 2"/>
-          <p:cNvSpPr>
-            <a:spLocks noGrp="1"/>
-          </p:cNvSpPr>
-          <p:nvPr>
-            <p:ph idx="1"/>
-          </p:nvPr>
-        </p:nvSpPr>
-        <p:spPr/>
-        <p:txBody>
-          <a:bodyPr/>
+          <p:cNvPr id="6" name="ZoneTexte 5"/>
+          <p:cNvSpPr txBox="1"/>
+          <p:nvPr/>
+        </p:nvSpPr>
+        <p:spPr>
+          <a:xfrm>
+            <a:off x="928662" y="1357298"/>
+            <a:ext cx="2079415" cy="3077766"/>
+          </a:xfrm>
+          <a:prstGeom prst="rect">
+            <a:avLst/>
+          </a:prstGeom>
+          <a:noFill/>
+        </p:spPr>
+        <p:txBody>
+          <a:bodyPr wrap="none" rtlCol="0">
+            <a:spAutoFit/>
+          </a:bodyPr>
           <a:lstStyle/>
           <a:p>
-            <a:endParaRPr lang="fr-FR"/>
+            <a:pPr>
+              <a:buFontTx/>
+              <a:buChar char="-"/>
+            </a:pPr>
+            <a:r>
+              <a:rPr lang="fr-FR" sz="2800" dirty="0" smtClean="0"/>
+              <a:t> Unitaires</a:t>
+            </a:r>
+          </a:p>
+          <a:p>
+            <a:pPr>
+              <a:buFontTx/>
+              <a:buChar char="-"/>
+            </a:pPr>
+            <a:endParaRPr lang="fr-FR" dirty="0" smtClean="0"/>
+          </a:p>
+          <a:p>
+            <a:pPr>
+              <a:buFontTx/>
+              <a:buChar char="-"/>
+            </a:pPr>
+            <a:endParaRPr lang="fr-FR" dirty="0" smtClean="0"/>
+          </a:p>
+          <a:p>
+            <a:pPr>
+              <a:buFontTx/>
+              <a:buChar char="-"/>
+            </a:pPr>
+            <a:endParaRPr lang="fr-FR" dirty="0" smtClean="0"/>
+          </a:p>
+          <a:p>
+            <a:pPr>
+              <a:buFontTx/>
+              <a:buChar char="-"/>
+            </a:pPr>
+            <a:r>
+              <a:rPr lang="fr-FR" sz="2800" dirty="0" smtClean="0"/>
+              <a:t>Intégrations</a:t>
+            </a:r>
+          </a:p>
+          <a:p>
+            <a:pPr>
+              <a:buFontTx/>
+              <a:buChar char="-"/>
+            </a:pPr>
+            <a:endParaRPr lang="fr-FR" sz="2800" dirty="0" smtClean="0"/>
+          </a:p>
+          <a:p>
+            <a:pPr>
+              <a:buFontTx/>
+              <a:buChar char="-"/>
+            </a:pPr>
+            <a:endParaRPr lang="fr-FR" sz="2800" dirty="0" smtClean="0"/>
+          </a:p>
+          <a:p>
+            <a:pPr>
+              <a:buFontTx/>
+              <a:buChar char="-"/>
+            </a:pPr>
+            <a:r>
+              <a:rPr lang="fr-FR" sz="2800" dirty="0" smtClean="0"/>
+              <a:t>Recettes</a:t>
+            </a:r>
+            <a:endParaRPr lang="fr-FR" sz="2800" dirty="0"/>
           </a:p>
         </p:txBody>
       </p:sp>
     </p:spTree>
     <p:extLst>
       <p:ext uri="{BB962C8B-B14F-4D97-AF65-F5344CB8AC3E}">
-        <p14:creationId xmlns:p14="http://schemas.microsoft.com/office/powerpoint/2010/main" val="3040487406"/>
+        <p14:creationId xmlns:p14="http://schemas.microsoft.com/office/powerpoint/2010/main" xmlns="" val="3040487406"/>
       </p:ext>
     </p:extLst>
   </p:cSld>

--- a/modelisator/Gestion de projet/2015_06_18 [Modelisator] Step 6/2015_06_18  [Modelisator] Presentation - Cedric.pptx
+++ b/modelisator/Gestion de projet/2015_06_18 [Modelisator] Step 6/2015_06_18  [Modelisator] Presentation - Cedric.pptx
@@ -13,6 +13,14 @@
     <p:sldId id="261" r:id="rId7"/>
     <p:sldId id="262" r:id="rId8"/>
     <p:sldId id="263" r:id="rId9"/>
+    <p:sldId id="264" r:id="rId10"/>
+    <p:sldId id="265" r:id="rId11"/>
+    <p:sldId id="266" r:id="rId12"/>
+    <p:sldId id="267" r:id="rId13"/>
+    <p:sldId id="268" r:id="rId14"/>
+    <p:sldId id="269" r:id="rId15"/>
+    <p:sldId id="270" r:id="rId16"/>
+    <p:sldId id="271" r:id="rId17"/>
   </p:sldIdLst>
   <p:sldSz cx="9144000" cy="6858000" type="screen4x3"/>
   <p:notesSz cx="6858000" cy="9144000"/>
@@ -5122,6 +5130,2284 @@
       </p:par>
     </p:tnLst>
   </p:timing>
+</p:sld>
+</file>
+
+<file path=ppt/slides/slide10.xml><?xml version="1.0" encoding="utf-8"?>
+<p:sld xmlns:a="http://schemas.openxmlformats.org/drawingml/2006/main" xmlns:r="http://schemas.openxmlformats.org/officeDocument/2006/relationships" xmlns:p="http://schemas.openxmlformats.org/presentationml/2006/main">
+  <p:cSld>
+    <p:spTree>
+      <p:nvGrpSpPr>
+        <p:cNvPr id="1" name=""/>
+        <p:cNvGrpSpPr/>
+        <p:nvPr/>
+      </p:nvGrpSpPr>
+      <p:grpSpPr>
+        <a:xfrm>
+          <a:off x="0" y="0"/>
+          <a:ext cx="0" cy="0"/>
+          <a:chOff x="0" y="0"/>
+          <a:chExt cx="0" cy="0"/>
+        </a:xfrm>
+      </p:grpSpPr>
+      <p:sp>
+        <p:nvSpPr>
+          <p:cNvPr id="2" name="Titre 1"/>
+          <p:cNvSpPr>
+            <a:spLocks noGrp="1"/>
+          </p:cNvSpPr>
+          <p:nvPr>
+            <p:ph type="title"/>
+          </p:nvPr>
+        </p:nvSpPr>
+        <p:spPr/>
+        <p:txBody>
+          <a:bodyPr/>
+          <a:lstStyle/>
+          <a:p>
+            <a:r>
+              <a:rPr lang="fr-FR" dirty="0" smtClean="0"/>
+              <a:t>V – gestion de projet</a:t>
+            </a:r>
+            <a:endParaRPr lang="fr-FR" dirty="0"/>
+          </a:p>
+        </p:txBody>
+      </p:sp>
+      <p:graphicFrame>
+        <p:nvGraphicFramePr>
+          <p:cNvPr id="4" name="Espace réservé du contenu 3"/>
+          <p:cNvGraphicFramePr>
+            <a:graphicFrameLocks noGrp="1"/>
+          </p:cNvGraphicFramePr>
+          <p:nvPr>
+            <p:ph idx="1"/>
+          </p:nvPr>
+        </p:nvGraphicFramePr>
+        <p:xfrm>
+          <a:off x="785786" y="1643050"/>
+          <a:ext cx="7521576" cy="4033774"/>
+        </p:xfrm>
+        <a:graphic>
+          <a:graphicData uri="http://schemas.openxmlformats.org/drawingml/2006/table">
+            <a:tbl>
+              <a:tblPr firstRow="1" bandRow="1">
+                <a:tableStyleId>{5C22544A-7EE6-4342-B048-85BDC9FD1C3A}</a:tableStyleId>
+              </a:tblPr>
+              <a:tblGrid>
+                <a:gridCol w="2507192"/>
+                <a:gridCol w="2507192"/>
+                <a:gridCol w="2507192"/>
+              </a:tblGrid>
+              <a:tr h="370840">
+                <a:tc>
+                  <a:txBody>
+                    <a:bodyPr/>
+                    <a:lstStyle/>
+                    <a:p>
+                      <a:pPr algn="just">
+                        <a:lnSpc>
+                          <a:spcPct val="115000"/>
+                        </a:lnSpc>
+                        <a:spcAft>
+                          <a:spcPts val="0"/>
+                        </a:spcAft>
+                      </a:pPr>
+                      <a:r>
+                        <a:rPr lang="fr-FR" sz="1400" b="1" dirty="0">
+                          <a:latin typeface="Calibri"/>
+                          <a:ea typeface="Calibri"/>
+                          <a:cs typeface="Times New Roman"/>
+                        </a:rPr>
+                        <a:t>Sujet</a:t>
+                      </a:r>
+                      <a:endParaRPr lang="fr-FR" sz="1100" dirty="0">
+                        <a:latin typeface="Calibri"/>
+                        <a:ea typeface="Calibri"/>
+                        <a:cs typeface="Times New Roman"/>
+                      </a:endParaRPr>
+                    </a:p>
+                  </a:txBody>
+                  <a:tcPr marL="68580" marR="68580" marT="0" marB="0"/>
+                </a:tc>
+                <a:tc>
+                  <a:txBody>
+                    <a:bodyPr/>
+                    <a:lstStyle/>
+                    <a:p>
+                      <a:pPr algn="just">
+                        <a:lnSpc>
+                          <a:spcPct val="115000"/>
+                        </a:lnSpc>
+                        <a:spcAft>
+                          <a:spcPts val="0"/>
+                        </a:spcAft>
+                      </a:pPr>
+                      <a:r>
+                        <a:rPr lang="fr-FR" sz="1400" b="1">
+                          <a:latin typeface="Calibri"/>
+                          <a:ea typeface="Calibri"/>
+                          <a:cs typeface="Times New Roman"/>
+                        </a:rPr>
+                        <a:t>Comment </a:t>
+                      </a:r>
+                      <a:endParaRPr lang="fr-FR" sz="1100">
+                        <a:latin typeface="Calibri"/>
+                        <a:ea typeface="Calibri"/>
+                        <a:cs typeface="Times New Roman"/>
+                      </a:endParaRPr>
+                    </a:p>
+                  </a:txBody>
+                  <a:tcPr marL="68580" marR="68580" marT="0" marB="0"/>
+                </a:tc>
+                <a:tc>
+                  <a:txBody>
+                    <a:bodyPr/>
+                    <a:lstStyle/>
+                    <a:p>
+                      <a:pPr algn="just">
+                        <a:lnSpc>
+                          <a:spcPct val="115000"/>
+                        </a:lnSpc>
+                        <a:spcAft>
+                          <a:spcPts val="0"/>
+                        </a:spcAft>
+                      </a:pPr>
+                      <a:r>
+                        <a:rPr lang="fr-FR" sz="1400" b="1">
+                          <a:latin typeface="Calibri"/>
+                          <a:ea typeface="Calibri"/>
+                          <a:cs typeface="Times New Roman"/>
+                        </a:rPr>
+                        <a:t>Pourquoi</a:t>
+                      </a:r>
+                      <a:endParaRPr lang="fr-FR" sz="1100">
+                        <a:latin typeface="Calibri"/>
+                        <a:ea typeface="Calibri"/>
+                        <a:cs typeface="Times New Roman"/>
+                      </a:endParaRPr>
+                    </a:p>
+                  </a:txBody>
+                  <a:tcPr marL="68580" marR="68580" marT="0" marB="0"/>
+                </a:tc>
+              </a:tr>
+              <a:tr h="370840">
+                <a:tc>
+                  <a:txBody>
+                    <a:bodyPr/>
+                    <a:lstStyle/>
+                    <a:p>
+                      <a:pPr algn="just">
+                        <a:lnSpc>
+                          <a:spcPct val="115000"/>
+                        </a:lnSpc>
+                        <a:spcAft>
+                          <a:spcPts val="0"/>
+                        </a:spcAft>
+                      </a:pPr>
+                      <a:r>
+                        <a:rPr lang="fr-FR" sz="1400" b="1">
+                          <a:latin typeface="Calibri"/>
+                          <a:ea typeface="Calibri"/>
+                          <a:cs typeface="Times New Roman"/>
+                        </a:rPr>
+                        <a:t>Objectif</a:t>
+                      </a:r>
+                      <a:endParaRPr lang="fr-FR" sz="1100">
+                        <a:latin typeface="Calibri"/>
+                        <a:ea typeface="Calibri"/>
+                        <a:cs typeface="Times New Roman"/>
+                      </a:endParaRPr>
+                    </a:p>
+                  </a:txBody>
+                  <a:tcPr marL="68580" marR="68580" marT="0" marB="0"/>
+                </a:tc>
+                <a:tc>
+                  <a:txBody>
+                    <a:bodyPr/>
+                    <a:lstStyle/>
+                    <a:p>
+                      <a:pPr algn="just">
+                        <a:lnSpc>
+                          <a:spcPct val="115000"/>
+                        </a:lnSpc>
+                        <a:spcAft>
+                          <a:spcPts val="0"/>
+                        </a:spcAft>
+                      </a:pPr>
+                      <a:r>
+                        <a:rPr lang="fr-FR" sz="1100">
+                          <a:latin typeface="Calibri"/>
+                          <a:ea typeface="Calibri"/>
+                          <a:cs typeface="Times New Roman"/>
+                        </a:rPr>
+                        <a:t>Pour trouver notre objectif, nous avons jugé utile de nous mettre à la place du client. Pour cela, nous avons fait un jeu de rôle, mettant en scène le client et le prestataire.</a:t>
+                      </a:r>
+                    </a:p>
+                  </a:txBody>
+                  <a:tcPr marL="68580" marR="68580" marT="0" marB="0"/>
+                </a:tc>
+                <a:tc>
+                  <a:txBody>
+                    <a:bodyPr/>
+                    <a:lstStyle/>
+                    <a:p>
+                      <a:pPr algn="just">
+                        <a:lnSpc>
+                          <a:spcPct val="115000"/>
+                        </a:lnSpc>
+                        <a:spcAft>
+                          <a:spcPts val="0"/>
+                        </a:spcAft>
+                      </a:pPr>
+                      <a:r>
+                        <a:rPr lang="fr-FR" sz="1100">
+                          <a:latin typeface="Calibri"/>
+                          <a:ea typeface="Calibri"/>
+                          <a:cs typeface="Times New Roman"/>
+                        </a:rPr>
+                        <a:t>Pour définir ce que l’on recherche afin de parvenir à notre but.</a:t>
+                      </a:r>
+                    </a:p>
+                  </a:txBody>
+                  <a:tcPr marL="68580" marR="68580" marT="0" marB="0"/>
+                </a:tc>
+              </a:tr>
+              <a:tr h="370840">
+                <a:tc>
+                  <a:txBody>
+                    <a:bodyPr/>
+                    <a:lstStyle/>
+                    <a:p>
+                      <a:pPr algn="just">
+                        <a:lnSpc>
+                          <a:spcPct val="115000"/>
+                        </a:lnSpc>
+                        <a:spcAft>
+                          <a:spcPts val="0"/>
+                        </a:spcAft>
+                      </a:pPr>
+                      <a:r>
+                        <a:rPr lang="fr-FR" sz="1400" b="1">
+                          <a:latin typeface="Calibri"/>
+                          <a:ea typeface="Calibri"/>
+                          <a:cs typeface="Times New Roman"/>
+                        </a:rPr>
+                        <a:t>Choix du nom</a:t>
+                      </a:r>
+                      <a:endParaRPr lang="fr-FR" sz="1100">
+                        <a:latin typeface="Calibri"/>
+                        <a:ea typeface="Calibri"/>
+                        <a:cs typeface="Times New Roman"/>
+                      </a:endParaRPr>
+                    </a:p>
+                  </a:txBody>
+                  <a:tcPr marL="68580" marR="68580" marT="0" marB="0"/>
+                </a:tc>
+                <a:tc>
+                  <a:txBody>
+                    <a:bodyPr/>
+                    <a:lstStyle/>
+                    <a:p>
+                      <a:pPr algn="just">
+                        <a:lnSpc>
+                          <a:spcPct val="115000"/>
+                        </a:lnSpc>
+                        <a:spcAft>
+                          <a:spcPts val="0"/>
+                        </a:spcAft>
+                      </a:pPr>
+                      <a:r>
+                        <a:rPr lang="fr-FR" sz="1100">
+                          <a:latin typeface="Calibri"/>
+                          <a:ea typeface="Calibri"/>
+                          <a:cs typeface="Times New Roman"/>
+                        </a:rPr>
+                        <a:t>Pour choisir le nom, nous avons fait un brainstorming, qui consiste à écrire des noms que l’ensemble de l’équipe propose sur un tableau, puis de faire un choix parmi les propositions.</a:t>
+                      </a:r>
+                    </a:p>
+                  </a:txBody>
+                  <a:tcPr marL="68580" marR="68580" marT="0" marB="0"/>
+                </a:tc>
+                <a:tc>
+                  <a:txBody>
+                    <a:bodyPr/>
+                    <a:lstStyle/>
+                    <a:p>
+                      <a:pPr algn="just">
+                        <a:lnSpc>
+                          <a:spcPct val="115000"/>
+                        </a:lnSpc>
+                        <a:spcAft>
+                          <a:spcPts val="0"/>
+                        </a:spcAft>
+                      </a:pPr>
+                      <a:r>
+                        <a:rPr lang="fr-FR" sz="1100">
+                          <a:latin typeface="Calibri"/>
+                          <a:ea typeface="Calibri"/>
+                          <a:cs typeface="Times New Roman"/>
+                        </a:rPr>
+                        <a:t>Le nom sert à donner une identité à un logiciel.</a:t>
+                      </a:r>
+                    </a:p>
+                  </a:txBody>
+                  <a:tcPr marL="68580" marR="68580" marT="0" marB="0"/>
+                </a:tc>
+              </a:tr>
+              <a:tr h="370840">
+                <a:tc>
+                  <a:txBody>
+                    <a:bodyPr/>
+                    <a:lstStyle/>
+                    <a:p>
+                      <a:pPr algn="just">
+                        <a:lnSpc>
+                          <a:spcPct val="115000"/>
+                        </a:lnSpc>
+                        <a:spcAft>
+                          <a:spcPts val="0"/>
+                        </a:spcAft>
+                      </a:pPr>
+                      <a:r>
+                        <a:rPr lang="fr-FR" sz="1400" b="1">
+                          <a:latin typeface="Calibri"/>
+                          <a:ea typeface="Calibri"/>
+                          <a:cs typeface="Times New Roman"/>
+                        </a:rPr>
+                        <a:t>Choix du logo</a:t>
+                      </a:r>
+                      <a:endParaRPr lang="fr-FR" sz="1100">
+                        <a:latin typeface="Calibri"/>
+                        <a:ea typeface="Calibri"/>
+                        <a:cs typeface="Times New Roman"/>
+                      </a:endParaRPr>
+                    </a:p>
+                  </a:txBody>
+                  <a:tcPr marL="68580" marR="68580" marT="0" marB="0"/>
+                </a:tc>
+                <a:tc>
+                  <a:txBody>
+                    <a:bodyPr/>
+                    <a:lstStyle/>
+                    <a:p>
+                      <a:pPr algn="just">
+                        <a:lnSpc>
+                          <a:spcPct val="115000"/>
+                        </a:lnSpc>
+                        <a:spcAft>
+                          <a:spcPts val="0"/>
+                        </a:spcAft>
+                      </a:pPr>
+                      <a:r>
+                        <a:rPr lang="fr-FR" sz="1100">
+                          <a:latin typeface="Calibri"/>
+                          <a:ea typeface="Calibri"/>
+                          <a:cs typeface="Times New Roman"/>
+                        </a:rPr>
+                        <a:t>Nous avons choisi délibérément un logo qui possède des formes plutôt abstraites, car le logiciel pourra à terme modéliser un nombre important d’objets différents, quel qu’ils soient.</a:t>
+                      </a:r>
+                    </a:p>
+                  </a:txBody>
+                  <a:tcPr marL="68580" marR="68580" marT="0" marB="0"/>
+                </a:tc>
+                <a:tc>
+                  <a:txBody>
+                    <a:bodyPr/>
+                    <a:lstStyle/>
+                    <a:p>
+                      <a:pPr algn="just">
+                        <a:lnSpc>
+                          <a:spcPct val="115000"/>
+                        </a:lnSpc>
+                        <a:spcAft>
+                          <a:spcPts val="0"/>
+                        </a:spcAft>
+                      </a:pPr>
+                      <a:r>
+                        <a:rPr lang="fr-FR" sz="1100">
+                          <a:latin typeface="Calibri"/>
+                          <a:ea typeface="Calibri"/>
+                          <a:cs typeface="Times New Roman"/>
+                        </a:rPr>
+                        <a:t>Le logo sert à compléter le nom en lui donnant une identité visuelle supplémentaire. En effet, dans de nombreuses situations, on reconnaît le logo plus que le nom ou le logiciel en lui-même.</a:t>
+                      </a:r>
+                    </a:p>
+                  </a:txBody>
+                  <a:tcPr marL="68580" marR="68580" marT="0" marB="0"/>
+                </a:tc>
+              </a:tr>
+              <a:tr h="370840">
+                <a:tc>
+                  <a:txBody>
+                    <a:bodyPr/>
+                    <a:lstStyle/>
+                    <a:p>
+                      <a:pPr algn="just">
+                        <a:lnSpc>
+                          <a:spcPct val="115000"/>
+                        </a:lnSpc>
+                        <a:spcAft>
+                          <a:spcPts val="0"/>
+                        </a:spcAft>
+                      </a:pPr>
+                      <a:r>
+                        <a:rPr lang="fr-FR" sz="1400" b="1">
+                          <a:latin typeface="Calibri"/>
+                          <a:ea typeface="Calibri"/>
+                          <a:cs typeface="Times New Roman"/>
+                        </a:rPr>
+                        <a:t>La to-do list</a:t>
+                      </a:r>
+                      <a:endParaRPr lang="fr-FR" sz="1100">
+                        <a:latin typeface="Calibri"/>
+                        <a:ea typeface="Calibri"/>
+                        <a:cs typeface="Times New Roman"/>
+                      </a:endParaRPr>
+                    </a:p>
+                  </a:txBody>
+                  <a:tcPr marL="68580" marR="68580" marT="0" marB="0"/>
+                </a:tc>
+                <a:tc>
+                  <a:txBody>
+                    <a:bodyPr/>
+                    <a:lstStyle/>
+                    <a:p>
+                      <a:pPr algn="just">
+                        <a:lnSpc>
+                          <a:spcPct val="115000"/>
+                        </a:lnSpc>
+                        <a:spcAft>
+                          <a:spcPts val="0"/>
+                        </a:spcAft>
+                      </a:pPr>
+                      <a:r>
+                        <a:rPr lang="fr-FR" sz="1100">
+                          <a:latin typeface="Calibri"/>
+                          <a:ea typeface="Calibri"/>
+                          <a:cs typeface="Times New Roman"/>
+                        </a:rPr>
+                        <a:t>En s’inspirant des différentes phases d’un cycle de vie de projet. On recense toute les taches et livrable a réaliser.</a:t>
+                      </a:r>
+                    </a:p>
+                  </a:txBody>
+                  <a:tcPr marL="68580" marR="68580" marT="0" marB="0"/>
+                </a:tc>
+                <a:tc>
+                  <a:txBody>
+                    <a:bodyPr/>
+                    <a:lstStyle/>
+                    <a:p>
+                      <a:pPr algn="just">
+                        <a:lnSpc>
+                          <a:spcPct val="115000"/>
+                        </a:lnSpc>
+                        <a:spcAft>
+                          <a:spcPts val="0"/>
+                        </a:spcAft>
+                      </a:pPr>
+                      <a:r>
+                        <a:rPr lang="fr-FR" sz="1100" dirty="0">
+                          <a:latin typeface="Calibri"/>
+                          <a:ea typeface="Calibri"/>
+                          <a:cs typeface="Times New Roman"/>
+                        </a:rPr>
+                        <a:t>Permet de définir toutes les tâches dans le processus de création d’un projet.</a:t>
+                      </a:r>
+                    </a:p>
+                  </a:txBody>
+                  <a:tcPr marL="68580" marR="68580" marT="0" marB="0"/>
+                </a:tc>
+              </a:tr>
+            </a:tbl>
+          </a:graphicData>
+        </a:graphic>
+      </p:graphicFrame>
+      <p:sp>
+        <p:nvSpPr>
+          <p:cNvPr id="5" name="ZoneTexte 4"/>
+          <p:cNvSpPr txBox="1"/>
+          <p:nvPr/>
+        </p:nvSpPr>
+        <p:spPr>
+          <a:xfrm>
+            <a:off x="1000100" y="1000108"/>
+            <a:ext cx="5220725" cy="646331"/>
+          </a:xfrm>
+          <a:prstGeom prst="rect">
+            <a:avLst/>
+          </a:prstGeom>
+          <a:noFill/>
+        </p:spPr>
+        <p:txBody>
+          <a:bodyPr wrap="none" rtlCol="0">
+            <a:spAutoFit/>
+          </a:bodyPr>
+          <a:lstStyle/>
+          <a:p>
+            <a:r>
+              <a:rPr lang="fr-FR" b="1" dirty="0" smtClean="0"/>
+              <a:t>Justification et Méthode : Phase Définition du projet</a:t>
+            </a:r>
+          </a:p>
+          <a:p>
+            <a:endParaRPr lang="fr-FR" dirty="0"/>
+          </a:p>
+        </p:txBody>
+      </p:sp>
+    </p:spTree>
+  </p:cSld>
+  <p:clrMapOvr>
+    <a:masterClrMapping/>
+  </p:clrMapOvr>
+</p:sld>
+</file>
+
+<file path=ppt/slides/slide11.xml><?xml version="1.0" encoding="utf-8"?>
+<p:sld xmlns:a="http://schemas.openxmlformats.org/drawingml/2006/main" xmlns:r="http://schemas.openxmlformats.org/officeDocument/2006/relationships" xmlns:p="http://schemas.openxmlformats.org/presentationml/2006/main">
+  <p:cSld>
+    <p:spTree>
+      <p:nvGrpSpPr>
+        <p:cNvPr id="1" name=""/>
+        <p:cNvGrpSpPr/>
+        <p:nvPr/>
+      </p:nvGrpSpPr>
+      <p:grpSpPr>
+        <a:xfrm>
+          <a:off x="0" y="0"/>
+          <a:ext cx="0" cy="0"/>
+          <a:chOff x="0" y="0"/>
+          <a:chExt cx="0" cy="0"/>
+        </a:xfrm>
+      </p:grpSpPr>
+      <p:sp>
+        <p:nvSpPr>
+          <p:cNvPr id="2" name="Titre 1"/>
+          <p:cNvSpPr>
+            <a:spLocks noGrp="1"/>
+          </p:cNvSpPr>
+          <p:nvPr>
+            <p:ph type="title"/>
+          </p:nvPr>
+        </p:nvSpPr>
+        <p:spPr/>
+        <p:txBody>
+          <a:bodyPr/>
+          <a:lstStyle/>
+          <a:p>
+            <a:r>
+              <a:rPr lang="fr-FR" dirty="0" smtClean="0"/>
+              <a:t>V – gestion de projet</a:t>
+            </a:r>
+            <a:endParaRPr lang="fr-FR" dirty="0"/>
+          </a:p>
+        </p:txBody>
+      </p:sp>
+      <p:sp>
+        <p:nvSpPr>
+          <p:cNvPr id="3" name="Espace réservé du contenu 2"/>
+          <p:cNvSpPr>
+            <a:spLocks noGrp="1"/>
+          </p:cNvSpPr>
+          <p:nvPr>
+            <p:ph idx="1"/>
+          </p:nvPr>
+        </p:nvSpPr>
+        <p:spPr/>
+        <p:txBody>
+          <a:bodyPr/>
+          <a:lstStyle/>
+          <a:p>
+            <a:r>
+              <a:rPr lang="fr-FR" dirty="0" smtClean="0"/>
+              <a:t>CQQCOQP :</a:t>
+            </a:r>
+          </a:p>
+          <a:p>
+            <a:r>
+              <a:rPr lang="fr-FR" dirty="0" smtClean="0"/>
+              <a:t>	</a:t>
+            </a:r>
+            <a:r>
+              <a:rPr lang="fr-FR" dirty="0" smtClean="0"/>
+              <a:t>- Quoi ?</a:t>
+            </a:r>
+            <a:endParaRPr lang="fr-FR" dirty="0" smtClean="0"/>
+          </a:p>
+          <a:p>
+            <a:r>
+              <a:rPr lang="fr-FR" dirty="0" smtClean="0"/>
+              <a:t>	</a:t>
+            </a:r>
+            <a:r>
+              <a:rPr lang="fr-FR" dirty="0" smtClean="0"/>
+              <a:t>- Pourquoi ? </a:t>
+            </a:r>
+          </a:p>
+          <a:p>
+            <a:r>
+              <a:rPr lang="fr-FR" dirty="0" smtClean="0"/>
+              <a:t>	</a:t>
+            </a:r>
+            <a:r>
+              <a:rPr lang="fr-FR" dirty="0" smtClean="0"/>
+              <a:t>- Qui ?</a:t>
+            </a:r>
+          </a:p>
+          <a:p>
+            <a:r>
+              <a:rPr lang="fr-FR" dirty="0" smtClean="0"/>
+              <a:t>	</a:t>
+            </a:r>
+            <a:r>
+              <a:rPr lang="fr-FR" dirty="0" smtClean="0"/>
+              <a:t>- Quand ? </a:t>
+            </a:r>
+          </a:p>
+          <a:p>
+            <a:r>
+              <a:rPr lang="fr-FR" dirty="0" smtClean="0"/>
+              <a:t>	</a:t>
+            </a:r>
+            <a:r>
+              <a:rPr lang="fr-FR" dirty="0" smtClean="0"/>
+              <a:t>- Combien ?</a:t>
+            </a:r>
+          </a:p>
+          <a:p>
+            <a:r>
+              <a:rPr lang="fr-FR" dirty="0" smtClean="0"/>
+              <a:t>	</a:t>
+            </a:r>
+            <a:r>
+              <a:rPr lang="fr-FR" dirty="0" smtClean="0"/>
+              <a:t>- Où ?</a:t>
+            </a:r>
+          </a:p>
+          <a:p>
+            <a:r>
+              <a:rPr lang="fr-FR" dirty="0" smtClean="0"/>
+              <a:t>	</a:t>
+            </a:r>
+            <a:r>
+              <a:rPr lang="fr-FR" dirty="0" smtClean="0"/>
+              <a:t>- Comment ?</a:t>
+            </a:r>
+          </a:p>
+        </p:txBody>
+      </p:sp>
+    </p:spTree>
+  </p:cSld>
+  <p:clrMapOvr>
+    <a:masterClrMapping/>
+  </p:clrMapOvr>
+</p:sld>
+</file>
+
+<file path=ppt/slides/slide12.xml><?xml version="1.0" encoding="utf-8"?>
+<p:sld xmlns:a="http://schemas.openxmlformats.org/drawingml/2006/main" xmlns:r="http://schemas.openxmlformats.org/officeDocument/2006/relationships" xmlns:p="http://schemas.openxmlformats.org/presentationml/2006/main">
+  <p:cSld>
+    <p:spTree>
+      <p:nvGrpSpPr>
+        <p:cNvPr id="1" name=""/>
+        <p:cNvGrpSpPr/>
+        <p:nvPr/>
+      </p:nvGrpSpPr>
+      <p:grpSpPr>
+        <a:xfrm>
+          <a:off x="0" y="0"/>
+          <a:ext cx="0" cy="0"/>
+          <a:chOff x="0" y="0"/>
+          <a:chExt cx="0" cy="0"/>
+        </a:xfrm>
+      </p:grpSpPr>
+      <p:sp>
+        <p:nvSpPr>
+          <p:cNvPr id="2" name="Titre 1"/>
+          <p:cNvSpPr>
+            <a:spLocks noGrp="1"/>
+          </p:cNvSpPr>
+          <p:nvPr>
+            <p:ph type="title"/>
+          </p:nvPr>
+        </p:nvSpPr>
+        <p:spPr/>
+        <p:txBody>
+          <a:bodyPr/>
+          <a:lstStyle/>
+          <a:p>
+            <a:r>
+              <a:rPr lang="fr-FR" dirty="0" smtClean="0"/>
+              <a:t>V – gestion de projet</a:t>
+            </a:r>
+            <a:endParaRPr lang="fr-FR" dirty="0"/>
+          </a:p>
+        </p:txBody>
+      </p:sp>
+      <p:sp>
+        <p:nvSpPr>
+          <p:cNvPr id="3" name="Espace réservé du contenu 2"/>
+          <p:cNvSpPr>
+            <a:spLocks noGrp="1"/>
+          </p:cNvSpPr>
+          <p:nvPr>
+            <p:ph idx="1"/>
+          </p:nvPr>
+        </p:nvSpPr>
+        <p:spPr/>
+        <p:txBody>
+          <a:bodyPr>
+            <a:normAutofit/>
+          </a:bodyPr>
+          <a:lstStyle/>
+          <a:p>
+            <a:r>
+              <a:rPr lang="fr-FR" dirty="0" smtClean="0"/>
+              <a:t>Liste des contraintes</a:t>
+            </a:r>
+          </a:p>
+          <a:p>
+            <a:r>
+              <a:rPr lang="fr-FR" dirty="0" smtClean="0"/>
+              <a:t> </a:t>
+            </a:r>
+          </a:p>
+          <a:p>
+            <a:r>
+              <a:rPr lang="fr-FR" u="sng" dirty="0" smtClean="0"/>
+              <a:t>Contraintes </a:t>
+            </a:r>
+            <a:r>
+              <a:rPr lang="fr-FR" u="sng" dirty="0" smtClean="0"/>
+              <a:t>Projet</a:t>
+            </a:r>
+            <a:endParaRPr lang="fr-FR" dirty="0" smtClean="0"/>
+          </a:p>
+          <a:p>
+            <a:pPr lvl="0"/>
+            <a:r>
+              <a:rPr lang="fr-FR" dirty="0" smtClean="0"/>
+              <a:t>	- Temporelle</a:t>
+            </a:r>
+            <a:r>
+              <a:rPr lang="fr-FR" dirty="0" smtClean="0"/>
+              <a:t> </a:t>
+            </a:r>
+          </a:p>
+          <a:p>
+            <a:pPr lvl="0"/>
+            <a:r>
+              <a:rPr lang="fr-FR" dirty="0" smtClean="0"/>
+              <a:t>	- Ressources </a:t>
+            </a:r>
+            <a:r>
+              <a:rPr lang="fr-FR" dirty="0" smtClean="0"/>
+              <a:t>humaines </a:t>
+            </a:r>
+          </a:p>
+          <a:p>
+            <a:pPr lvl="0"/>
+            <a:r>
+              <a:rPr lang="fr-FR" dirty="0" smtClean="0"/>
+              <a:t>	- Ressources </a:t>
+            </a:r>
+            <a:r>
+              <a:rPr lang="fr-FR" dirty="0" smtClean="0"/>
+              <a:t>matérielles </a:t>
+            </a:r>
+          </a:p>
+          <a:p>
+            <a:pPr lvl="0"/>
+            <a:r>
+              <a:rPr lang="fr-FR" dirty="0" smtClean="0"/>
+              <a:t>	- Légal </a:t>
+            </a:r>
+            <a:endParaRPr lang="fr-FR" dirty="0" smtClean="0"/>
+          </a:p>
+          <a:p>
+            <a:r>
+              <a:rPr lang="fr-FR" u="sng" dirty="0" smtClean="0"/>
+              <a:t>Contraintes Métier</a:t>
+            </a:r>
+            <a:endParaRPr lang="fr-FR" dirty="0" smtClean="0"/>
+          </a:p>
+          <a:p>
+            <a:pPr lvl="0"/>
+            <a:r>
+              <a:rPr lang="fr-FR" dirty="0" smtClean="0"/>
+              <a:t>	- Qualité</a:t>
+            </a:r>
+            <a:r>
+              <a:rPr lang="fr-FR" dirty="0" smtClean="0"/>
+              <a:t> </a:t>
+            </a:r>
+          </a:p>
+          <a:p>
+            <a:pPr lvl="0"/>
+            <a:r>
+              <a:rPr lang="fr-FR" dirty="0" smtClean="0"/>
+              <a:t>	- Evolutif</a:t>
+            </a:r>
+            <a:r>
+              <a:rPr lang="fr-FR" dirty="0" smtClean="0"/>
+              <a:t> </a:t>
+            </a:r>
+          </a:p>
+          <a:p>
+            <a:endParaRPr lang="fr-FR" dirty="0"/>
+          </a:p>
+        </p:txBody>
+      </p:sp>
+    </p:spTree>
+  </p:cSld>
+  <p:clrMapOvr>
+    <a:masterClrMapping/>
+  </p:clrMapOvr>
+</p:sld>
+</file>
+
+<file path=ppt/slides/slide13.xml><?xml version="1.0" encoding="utf-8"?>
+<p:sld xmlns:a="http://schemas.openxmlformats.org/drawingml/2006/main" xmlns:r="http://schemas.openxmlformats.org/officeDocument/2006/relationships" xmlns:p="http://schemas.openxmlformats.org/presentationml/2006/main">
+  <p:cSld>
+    <p:spTree>
+      <p:nvGrpSpPr>
+        <p:cNvPr id="1" name=""/>
+        <p:cNvGrpSpPr/>
+        <p:nvPr/>
+      </p:nvGrpSpPr>
+      <p:grpSpPr>
+        <a:xfrm>
+          <a:off x="0" y="0"/>
+          <a:ext cx="0" cy="0"/>
+          <a:chOff x="0" y="0"/>
+          <a:chExt cx="0" cy="0"/>
+        </a:xfrm>
+      </p:grpSpPr>
+      <p:sp>
+        <p:nvSpPr>
+          <p:cNvPr id="2" name="Titre 1"/>
+          <p:cNvSpPr>
+            <a:spLocks noGrp="1"/>
+          </p:cNvSpPr>
+          <p:nvPr>
+            <p:ph type="title"/>
+          </p:nvPr>
+        </p:nvSpPr>
+        <p:spPr/>
+        <p:txBody>
+          <a:bodyPr/>
+          <a:lstStyle/>
+          <a:p>
+            <a:r>
+              <a:rPr lang="fr-FR" dirty="0" smtClean="0"/>
+              <a:t>V – gestion de projet</a:t>
+            </a:r>
+            <a:endParaRPr lang="fr-FR" dirty="0"/>
+          </a:p>
+        </p:txBody>
+      </p:sp>
+      <p:pic>
+        <p:nvPicPr>
+          <p:cNvPr id="22530" name="Picture 2"/>
+          <p:cNvPicPr>
+            <a:picLocks noGrp="1" noChangeAspect="1" noChangeArrowheads="1"/>
+          </p:cNvPicPr>
+          <p:nvPr>
+            <p:ph idx="1"/>
+          </p:nvPr>
+        </p:nvPicPr>
+        <p:blipFill>
+          <a:blip r:embed="rId2"/>
+          <a:srcRect/>
+          <a:stretch>
+            <a:fillRect/>
+          </a:stretch>
+        </p:blipFill>
+        <p:spPr bwMode="auto">
+          <a:xfrm>
+            <a:off x="1785918" y="1000108"/>
+            <a:ext cx="5214974" cy="5646428"/>
+          </a:xfrm>
+          <a:prstGeom prst="rect">
+            <a:avLst/>
+          </a:prstGeom>
+          <a:noFill/>
+          <a:ln w="9525">
+            <a:noFill/>
+            <a:miter lim="800000"/>
+            <a:headEnd/>
+            <a:tailEnd/>
+          </a:ln>
+          <a:effectLst/>
+        </p:spPr>
+      </p:pic>
+    </p:spTree>
+  </p:cSld>
+  <p:clrMapOvr>
+    <a:masterClrMapping/>
+  </p:clrMapOvr>
+</p:sld>
+</file>
+
+<file path=ppt/slides/slide14.xml><?xml version="1.0" encoding="utf-8"?>
+<p:sld xmlns:a="http://schemas.openxmlformats.org/drawingml/2006/main" xmlns:r="http://schemas.openxmlformats.org/officeDocument/2006/relationships" xmlns:p="http://schemas.openxmlformats.org/presentationml/2006/main">
+  <p:cSld>
+    <p:spTree>
+      <p:nvGrpSpPr>
+        <p:cNvPr id="1" name=""/>
+        <p:cNvGrpSpPr/>
+        <p:nvPr/>
+      </p:nvGrpSpPr>
+      <p:grpSpPr>
+        <a:xfrm>
+          <a:off x="0" y="0"/>
+          <a:ext cx="0" cy="0"/>
+          <a:chOff x="0" y="0"/>
+          <a:chExt cx="0" cy="0"/>
+        </a:xfrm>
+      </p:grpSpPr>
+      <p:sp>
+        <p:nvSpPr>
+          <p:cNvPr id="2" name="Titre 1"/>
+          <p:cNvSpPr>
+            <a:spLocks noGrp="1"/>
+          </p:cNvSpPr>
+          <p:nvPr>
+            <p:ph type="title"/>
+          </p:nvPr>
+        </p:nvSpPr>
+        <p:spPr/>
+        <p:txBody>
+          <a:bodyPr/>
+          <a:lstStyle/>
+          <a:p>
+            <a:r>
+              <a:rPr lang="fr-FR" dirty="0" smtClean="0"/>
+              <a:t>V – gestion de projet</a:t>
+            </a:r>
+            <a:endParaRPr lang="fr-FR" dirty="0"/>
+          </a:p>
+        </p:txBody>
+      </p:sp>
+      <p:graphicFrame>
+        <p:nvGraphicFramePr>
+          <p:cNvPr id="4" name="Espace réservé du contenu 3"/>
+          <p:cNvGraphicFramePr>
+            <a:graphicFrameLocks noGrp="1"/>
+          </p:cNvGraphicFramePr>
+          <p:nvPr>
+            <p:ph idx="1"/>
+          </p:nvPr>
+        </p:nvGraphicFramePr>
+        <p:xfrm>
+          <a:off x="785786" y="2071678"/>
+          <a:ext cx="7521576" cy="1913128"/>
+        </p:xfrm>
+        <a:graphic>
+          <a:graphicData uri="http://schemas.openxmlformats.org/drawingml/2006/table">
+            <a:tbl>
+              <a:tblPr firstRow="1" bandRow="1">
+                <a:tableStyleId>{5C22544A-7EE6-4342-B048-85BDC9FD1C3A}</a:tableStyleId>
+              </a:tblPr>
+              <a:tblGrid>
+                <a:gridCol w="2507192"/>
+                <a:gridCol w="2507192"/>
+                <a:gridCol w="2507192"/>
+              </a:tblGrid>
+              <a:tr h="370840">
+                <a:tc>
+                  <a:txBody>
+                    <a:bodyPr/>
+                    <a:lstStyle/>
+                    <a:p>
+                      <a:pPr algn="ctr">
+                        <a:lnSpc>
+                          <a:spcPct val="115000"/>
+                        </a:lnSpc>
+                        <a:spcAft>
+                          <a:spcPts val="0"/>
+                        </a:spcAft>
+                      </a:pPr>
+                      <a:r>
+                        <a:rPr lang="fr-FR" sz="1400" b="1" dirty="0">
+                          <a:latin typeface="Calibri"/>
+                          <a:ea typeface="Calibri"/>
+                          <a:cs typeface="Times New Roman"/>
+                        </a:rPr>
+                        <a:t>Logiciel existant</a:t>
+                      </a:r>
+                      <a:endParaRPr lang="fr-FR" sz="1100" dirty="0">
+                        <a:latin typeface="Calibri"/>
+                        <a:ea typeface="Calibri"/>
+                        <a:cs typeface="Times New Roman"/>
+                      </a:endParaRPr>
+                    </a:p>
+                  </a:txBody>
+                  <a:tcPr marL="68580" marR="68580" marT="0" marB="0"/>
+                </a:tc>
+                <a:tc>
+                  <a:txBody>
+                    <a:bodyPr/>
+                    <a:lstStyle/>
+                    <a:p>
+                      <a:pPr algn="ctr">
+                        <a:lnSpc>
+                          <a:spcPct val="115000"/>
+                        </a:lnSpc>
+                        <a:spcAft>
+                          <a:spcPts val="0"/>
+                        </a:spcAft>
+                      </a:pPr>
+                      <a:r>
+                        <a:rPr lang="fr-FR" sz="1400" b="1">
+                          <a:latin typeface="Calibri"/>
+                          <a:ea typeface="Calibri"/>
+                          <a:cs typeface="Times New Roman"/>
+                        </a:rPr>
+                        <a:t>Similitude</a:t>
+                      </a:r>
+                      <a:endParaRPr lang="fr-FR" sz="1100">
+                        <a:latin typeface="Calibri"/>
+                        <a:ea typeface="Calibri"/>
+                        <a:cs typeface="Times New Roman"/>
+                      </a:endParaRPr>
+                    </a:p>
+                  </a:txBody>
+                  <a:tcPr marL="68580" marR="68580" marT="0" marB="0"/>
+                </a:tc>
+                <a:tc>
+                  <a:txBody>
+                    <a:bodyPr/>
+                    <a:lstStyle/>
+                    <a:p>
+                      <a:pPr algn="ctr">
+                        <a:lnSpc>
+                          <a:spcPct val="115000"/>
+                        </a:lnSpc>
+                        <a:spcAft>
+                          <a:spcPts val="0"/>
+                        </a:spcAft>
+                      </a:pPr>
+                      <a:r>
+                        <a:rPr lang="fr-FR" sz="1400" b="1">
+                          <a:latin typeface="Calibri"/>
+                          <a:ea typeface="Calibri"/>
+                          <a:cs typeface="Times New Roman"/>
+                        </a:rPr>
+                        <a:t>Manquement</a:t>
+                      </a:r>
+                      <a:endParaRPr lang="fr-FR" sz="1100">
+                        <a:latin typeface="Calibri"/>
+                        <a:ea typeface="Calibri"/>
+                        <a:cs typeface="Times New Roman"/>
+                      </a:endParaRPr>
+                    </a:p>
+                  </a:txBody>
+                  <a:tcPr marL="68580" marR="68580" marT="0" marB="0"/>
+                </a:tc>
+              </a:tr>
+              <a:tr h="370840">
+                <a:tc>
+                  <a:txBody>
+                    <a:bodyPr/>
+                    <a:lstStyle/>
+                    <a:p>
+                      <a:pPr>
+                        <a:lnSpc>
+                          <a:spcPct val="115000"/>
+                        </a:lnSpc>
+                        <a:spcAft>
+                          <a:spcPts val="0"/>
+                        </a:spcAft>
+                      </a:pPr>
+                      <a:r>
+                        <a:rPr lang="fr-FR" sz="1400" b="1">
+                          <a:latin typeface="Calibri"/>
+                          <a:ea typeface="Calibri"/>
+                          <a:cs typeface="Times New Roman"/>
+                        </a:rPr>
+                        <a:t>Calculs elec</a:t>
+                      </a:r>
+                      <a:endParaRPr lang="fr-FR" sz="1100">
+                        <a:latin typeface="Calibri"/>
+                        <a:ea typeface="Calibri"/>
+                        <a:cs typeface="Times New Roman"/>
+                      </a:endParaRPr>
+                    </a:p>
+                  </a:txBody>
+                  <a:tcPr marL="68580" marR="68580" marT="0" marB="0"/>
+                </a:tc>
+                <a:tc>
+                  <a:txBody>
+                    <a:bodyPr/>
+                    <a:lstStyle/>
+                    <a:p>
+                      <a:pPr>
+                        <a:lnSpc>
+                          <a:spcPct val="115000"/>
+                        </a:lnSpc>
+                        <a:spcAft>
+                          <a:spcPts val="0"/>
+                        </a:spcAft>
+                      </a:pPr>
+                      <a:r>
+                        <a:rPr lang="fr-FR" sz="1100">
+                          <a:latin typeface="Calibri"/>
+                          <a:ea typeface="Calibri"/>
+                          <a:cs typeface="Times New Roman"/>
+                        </a:rPr>
+                        <a:t>Contient une bibliothèque des formules électrique et les manipulent pour effectuer des calculs</a:t>
+                      </a:r>
+                    </a:p>
+                  </a:txBody>
+                  <a:tcPr marL="68580" marR="68580" marT="0" marB="0"/>
+                </a:tc>
+                <a:tc>
+                  <a:txBody>
+                    <a:bodyPr/>
+                    <a:lstStyle/>
+                    <a:p>
+                      <a:pPr>
+                        <a:lnSpc>
+                          <a:spcPct val="115000"/>
+                        </a:lnSpc>
+                        <a:spcAft>
+                          <a:spcPts val="0"/>
+                        </a:spcAft>
+                      </a:pPr>
+                      <a:r>
+                        <a:rPr lang="fr-FR" sz="1100">
+                          <a:latin typeface="Calibri"/>
+                          <a:ea typeface="Calibri"/>
+                          <a:cs typeface="Times New Roman"/>
+                        </a:rPr>
+                        <a:t>Ne permet pas la modélisation et l’interprétation.</a:t>
+                      </a:r>
+                    </a:p>
+                  </a:txBody>
+                  <a:tcPr marL="68580" marR="68580" marT="0" marB="0"/>
+                </a:tc>
+              </a:tr>
+              <a:tr h="370840">
+                <a:tc>
+                  <a:txBody>
+                    <a:bodyPr/>
+                    <a:lstStyle/>
+                    <a:p>
+                      <a:pPr>
+                        <a:lnSpc>
+                          <a:spcPct val="115000"/>
+                        </a:lnSpc>
+                        <a:spcAft>
+                          <a:spcPts val="0"/>
+                        </a:spcAft>
+                      </a:pPr>
+                      <a:r>
+                        <a:rPr lang="fr-FR" sz="1400" b="1">
+                          <a:latin typeface="Calibri"/>
+                          <a:ea typeface="Calibri"/>
+                          <a:cs typeface="Times New Roman"/>
+                        </a:rPr>
+                        <a:t>ScieLab, Matlab</a:t>
+                      </a:r>
+                      <a:endParaRPr lang="fr-FR" sz="1100">
+                        <a:latin typeface="Calibri"/>
+                        <a:ea typeface="Calibri"/>
+                        <a:cs typeface="Times New Roman"/>
+                      </a:endParaRPr>
+                    </a:p>
+                  </a:txBody>
+                  <a:tcPr marL="68580" marR="68580" marT="0" marB="0"/>
+                </a:tc>
+                <a:tc>
+                  <a:txBody>
+                    <a:bodyPr/>
+                    <a:lstStyle/>
+                    <a:p>
+                      <a:pPr>
+                        <a:lnSpc>
+                          <a:spcPct val="115000"/>
+                        </a:lnSpc>
+                        <a:spcAft>
+                          <a:spcPts val="0"/>
+                        </a:spcAft>
+                      </a:pPr>
+                      <a:r>
+                        <a:rPr lang="fr-FR" sz="1100">
+                          <a:latin typeface="Calibri"/>
+                          <a:ea typeface="Calibri"/>
+                          <a:cs typeface="Times New Roman"/>
+                        </a:rPr>
+                        <a:t>Contient une bibliothèque des formules mathématiques et les manipulent pour effectuer des calculs.</a:t>
+                      </a:r>
+                    </a:p>
+                    <a:p>
+                      <a:pPr>
+                        <a:lnSpc>
+                          <a:spcPct val="115000"/>
+                        </a:lnSpc>
+                        <a:spcAft>
+                          <a:spcPts val="0"/>
+                        </a:spcAft>
+                      </a:pPr>
+                      <a:r>
+                        <a:rPr lang="fr-FR" sz="1100">
+                          <a:latin typeface="Calibri"/>
+                          <a:ea typeface="Calibri"/>
+                          <a:cs typeface="Times New Roman"/>
+                        </a:rPr>
+                        <a:t>Ils peuvent aussi réaliser des modèles mathématiques.</a:t>
+                      </a:r>
+                    </a:p>
+                  </a:txBody>
+                  <a:tcPr marL="68580" marR="68580" marT="0" marB="0"/>
+                </a:tc>
+                <a:tc>
+                  <a:txBody>
+                    <a:bodyPr/>
+                    <a:lstStyle/>
+                    <a:p>
+                      <a:pPr>
+                        <a:lnSpc>
+                          <a:spcPct val="115000"/>
+                        </a:lnSpc>
+                        <a:spcAft>
+                          <a:spcPts val="0"/>
+                        </a:spcAft>
+                      </a:pPr>
+                      <a:r>
+                        <a:rPr lang="fr-FR" sz="1100" dirty="0">
+                          <a:latin typeface="Calibri"/>
+                          <a:ea typeface="Calibri"/>
+                          <a:cs typeface="Times New Roman"/>
+                        </a:rPr>
+                        <a:t>Il n’y a pas de liaison automatique entre les formules.</a:t>
+                      </a:r>
+                    </a:p>
+                    <a:p>
+                      <a:pPr>
+                        <a:lnSpc>
+                          <a:spcPct val="115000"/>
+                        </a:lnSpc>
+                        <a:spcAft>
+                          <a:spcPts val="0"/>
+                        </a:spcAft>
+                      </a:pPr>
+                      <a:r>
+                        <a:rPr lang="fr-FR" sz="1100" dirty="0">
+                          <a:latin typeface="Calibri"/>
+                          <a:ea typeface="Calibri"/>
+                          <a:cs typeface="Times New Roman"/>
+                        </a:rPr>
+                        <a:t>Pas d’aspects graphiques directs.</a:t>
+                      </a:r>
+                    </a:p>
+                  </a:txBody>
+                  <a:tcPr marL="68580" marR="68580" marT="0" marB="0"/>
+                </a:tc>
+              </a:tr>
+            </a:tbl>
+          </a:graphicData>
+        </a:graphic>
+      </p:graphicFrame>
+      <p:sp>
+        <p:nvSpPr>
+          <p:cNvPr id="5" name="ZoneTexte 4"/>
+          <p:cNvSpPr txBox="1"/>
+          <p:nvPr/>
+        </p:nvSpPr>
+        <p:spPr>
+          <a:xfrm>
+            <a:off x="857224" y="1285860"/>
+            <a:ext cx="1320874" cy="369332"/>
+          </a:xfrm>
+          <a:prstGeom prst="rect">
+            <a:avLst/>
+          </a:prstGeom>
+          <a:noFill/>
+        </p:spPr>
+        <p:txBody>
+          <a:bodyPr wrap="none" rtlCol="0">
+            <a:spAutoFit/>
+          </a:bodyPr>
+          <a:lstStyle/>
+          <a:p>
+            <a:r>
+              <a:rPr lang="fr-FR" dirty="0" smtClean="0"/>
+              <a:t>Etat de l’art</a:t>
+            </a:r>
+            <a:endParaRPr lang="fr-FR" dirty="0"/>
+          </a:p>
+        </p:txBody>
+      </p:sp>
+    </p:spTree>
+  </p:cSld>
+  <p:clrMapOvr>
+    <a:masterClrMapping/>
+  </p:clrMapOvr>
+</p:sld>
+</file>
+
+<file path=ppt/slides/slide15.xml><?xml version="1.0" encoding="utf-8"?>
+<p:sld xmlns:a="http://schemas.openxmlformats.org/drawingml/2006/main" xmlns:r="http://schemas.openxmlformats.org/officeDocument/2006/relationships" xmlns:p="http://schemas.openxmlformats.org/presentationml/2006/main">
+  <p:cSld>
+    <p:spTree>
+      <p:nvGrpSpPr>
+        <p:cNvPr id="1" name=""/>
+        <p:cNvGrpSpPr/>
+        <p:nvPr/>
+      </p:nvGrpSpPr>
+      <p:grpSpPr>
+        <a:xfrm>
+          <a:off x="0" y="0"/>
+          <a:ext cx="0" cy="0"/>
+          <a:chOff x="0" y="0"/>
+          <a:chExt cx="0" cy="0"/>
+        </a:xfrm>
+      </p:grpSpPr>
+      <p:sp>
+        <p:nvSpPr>
+          <p:cNvPr id="2" name="Titre 1"/>
+          <p:cNvSpPr>
+            <a:spLocks noGrp="1"/>
+          </p:cNvSpPr>
+          <p:nvPr>
+            <p:ph type="title"/>
+          </p:nvPr>
+        </p:nvSpPr>
+        <p:spPr/>
+        <p:txBody>
+          <a:bodyPr/>
+          <a:lstStyle/>
+          <a:p>
+            <a:r>
+              <a:rPr lang="fr-FR" dirty="0" smtClean="0"/>
+              <a:t>V – gestion de projet</a:t>
+            </a:r>
+            <a:endParaRPr lang="fr-FR" dirty="0"/>
+          </a:p>
+        </p:txBody>
+      </p:sp>
+      <p:graphicFrame>
+        <p:nvGraphicFramePr>
+          <p:cNvPr id="4" name="Espace réservé du contenu 3"/>
+          <p:cNvGraphicFramePr>
+            <a:graphicFrameLocks noGrp="1"/>
+          </p:cNvGraphicFramePr>
+          <p:nvPr>
+            <p:ph idx="1"/>
+          </p:nvPr>
+        </p:nvGraphicFramePr>
+        <p:xfrm>
+          <a:off x="857224" y="1857364"/>
+          <a:ext cx="7393014" cy="4048506"/>
+        </p:xfrm>
+        <a:graphic>
+          <a:graphicData uri="http://schemas.openxmlformats.org/drawingml/2006/table">
+            <a:tbl>
+              <a:tblPr firstRow="1" bandRow="1">
+                <a:tableStyleId>{5C22544A-7EE6-4342-B048-85BDC9FD1C3A}</a:tableStyleId>
+              </a:tblPr>
+              <a:tblGrid>
+                <a:gridCol w="2464338"/>
+                <a:gridCol w="2464338"/>
+                <a:gridCol w="2464338"/>
+              </a:tblGrid>
+              <a:tr h="1322617">
+                <a:tc>
+                  <a:txBody>
+                    <a:bodyPr/>
+                    <a:lstStyle/>
+                    <a:p>
+                      <a:pPr>
+                        <a:lnSpc>
+                          <a:spcPct val="115000"/>
+                        </a:lnSpc>
+                        <a:spcAft>
+                          <a:spcPts val="0"/>
+                        </a:spcAft>
+                      </a:pPr>
+                      <a:r>
+                        <a:rPr lang="fr-FR" sz="1400" b="1" dirty="0">
+                          <a:latin typeface="Calibri"/>
+                          <a:ea typeface="Calibri"/>
+                          <a:cs typeface="Times New Roman"/>
+                        </a:rPr>
+                        <a:t>Technique (comparé à l’état de l’art)</a:t>
+                      </a:r>
+                      <a:endParaRPr lang="fr-FR" sz="1100" dirty="0">
+                        <a:latin typeface="Calibri"/>
+                        <a:ea typeface="Calibri"/>
+                        <a:cs typeface="Times New Roman"/>
+                      </a:endParaRPr>
+                    </a:p>
+                  </a:txBody>
+                  <a:tcPr marL="68580" marR="68580" marT="0" marB="0"/>
+                </a:tc>
+                <a:tc>
+                  <a:txBody>
+                    <a:bodyPr/>
+                    <a:lstStyle/>
+                    <a:p>
+                      <a:pPr>
+                        <a:lnSpc>
+                          <a:spcPct val="115000"/>
+                        </a:lnSpc>
+                        <a:spcAft>
+                          <a:spcPts val="0"/>
+                        </a:spcAft>
+                      </a:pPr>
+                      <a:r>
+                        <a:rPr lang="fr-FR" sz="1100">
+                          <a:latin typeface="Calibri"/>
+                          <a:ea typeface="Calibri"/>
+                          <a:cs typeface="Times New Roman"/>
+                        </a:rPr>
+                        <a:t>La faisabilité technique dépend du niveau de détail apporté à la modélisation qu’on choisira d’atteindre dans ce projet. En partant sur une modélisation basique (et non pas avancée telle qu’elle est dans Matlab par exemple) alors l’objectif est atteignable.</a:t>
+                      </a:r>
+                    </a:p>
+                  </a:txBody>
+                  <a:tcPr marL="68580" marR="68580" marT="0" marB="0"/>
+                </a:tc>
+                <a:tc>
+                  <a:txBody>
+                    <a:bodyPr/>
+                    <a:lstStyle/>
+                    <a:p>
+                      <a:endParaRPr lang="fr-FR"/>
+                    </a:p>
+                  </a:txBody>
+                  <a:tcPr/>
+                </a:tc>
+              </a:tr>
+              <a:tr h="826636">
+                <a:tc>
+                  <a:txBody>
+                    <a:bodyPr/>
+                    <a:lstStyle/>
+                    <a:p>
+                      <a:pPr>
+                        <a:lnSpc>
+                          <a:spcPct val="115000"/>
+                        </a:lnSpc>
+                        <a:spcAft>
+                          <a:spcPts val="0"/>
+                        </a:spcAft>
+                      </a:pPr>
+                      <a:r>
+                        <a:rPr lang="fr-FR" sz="1400" b="1">
+                          <a:latin typeface="Calibri"/>
+                          <a:ea typeface="Calibri"/>
+                          <a:cs typeface="Times New Roman"/>
+                        </a:rPr>
+                        <a:t>Budgétaire</a:t>
+                      </a:r>
+                      <a:endParaRPr lang="fr-FR" sz="1100">
+                        <a:latin typeface="Calibri"/>
+                        <a:ea typeface="Calibri"/>
+                        <a:cs typeface="Times New Roman"/>
+                      </a:endParaRPr>
+                    </a:p>
+                  </a:txBody>
+                  <a:tcPr marL="68580" marR="68580" marT="0" marB="0"/>
+                </a:tc>
+                <a:tc>
+                  <a:txBody>
+                    <a:bodyPr/>
+                    <a:lstStyle/>
+                    <a:p>
+                      <a:pPr>
+                        <a:lnSpc>
+                          <a:spcPct val="115000"/>
+                        </a:lnSpc>
+                        <a:spcAft>
+                          <a:spcPts val="0"/>
+                        </a:spcAft>
+                      </a:pPr>
+                      <a:r>
+                        <a:rPr lang="fr-FR" sz="1100">
+                          <a:latin typeface="Calibri"/>
+                          <a:ea typeface="Calibri"/>
+                          <a:cs typeface="Times New Roman"/>
+                        </a:rPr>
+                        <a:t>Aucune dépense n’est prévue lors de projet. Nous disposons chacun d’une machine et nous possédons également une licence msdn nous donnant accès à des outils de développement.</a:t>
+                      </a:r>
+                    </a:p>
+                  </a:txBody>
+                  <a:tcPr marL="68580" marR="68580" marT="0" marB="0"/>
+                </a:tc>
+                <a:tc>
+                  <a:txBody>
+                    <a:bodyPr/>
+                    <a:lstStyle/>
+                    <a:p>
+                      <a:endParaRPr lang="fr-FR"/>
+                    </a:p>
+                  </a:txBody>
+                  <a:tcPr/>
+                </a:tc>
+              </a:tr>
+              <a:tr h="1322617">
+                <a:tc>
+                  <a:txBody>
+                    <a:bodyPr/>
+                    <a:lstStyle/>
+                    <a:p>
+                      <a:pPr>
+                        <a:lnSpc>
+                          <a:spcPct val="115000"/>
+                        </a:lnSpc>
+                        <a:spcAft>
+                          <a:spcPts val="0"/>
+                        </a:spcAft>
+                      </a:pPr>
+                      <a:r>
+                        <a:rPr lang="fr-FR" sz="1400" b="1">
+                          <a:latin typeface="Calibri"/>
+                          <a:ea typeface="Calibri"/>
+                          <a:cs typeface="Times New Roman"/>
+                        </a:rPr>
+                        <a:t>Ressources humaines</a:t>
+                      </a:r>
+                      <a:endParaRPr lang="fr-FR" sz="1100">
+                        <a:latin typeface="Calibri"/>
+                        <a:ea typeface="Calibri"/>
+                        <a:cs typeface="Times New Roman"/>
+                      </a:endParaRPr>
+                    </a:p>
+                    <a:p>
+                      <a:pPr>
+                        <a:lnSpc>
+                          <a:spcPct val="115000"/>
+                        </a:lnSpc>
+                        <a:spcAft>
+                          <a:spcPts val="0"/>
+                        </a:spcAft>
+                      </a:pPr>
+                      <a:r>
+                        <a:rPr lang="fr-FR" sz="1400" b="1">
+                          <a:latin typeface="Calibri"/>
+                          <a:ea typeface="Calibri"/>
+                          <a:cs typeface="Times New Roman"/>
+                        </a:rPr>
+                        <a:t>(temps)</a:t>
+                      </a:r>
+                      <a:endParaRPr lang="fr-FR" sz="1100">
+                        <a:latin typeface="Calibri"/>
+                        <a:ea typeface="Calibri"/>
+                        <a:cs typeface="Times New Roman"/>
+                      </a:endParaRPr>
+                    </a:p>
+                  </a:txBody>
+                  <a:tcPr marL="68580" marR="68580" marT="0" marB="0"/>
+                </a:tc>
+                <a:tc>
+                  <a:txBody>
+                    <a:bodyPr/>
+                    <a:lstStyle/>
+                    <a:p>
+                      <a:pPr>
+                        <a:lnSpc>
+                          <a:spcPct val="115000"/>
+                        </a:lnSpc>
+                        <a:spcAft>
+                          <a:spcPts val="0"/>
+                        </a:spcAft>
+                      </a:pPr>
+                      <a:r>
+                        <a:rPr lang="fr-FR" sz="1100" dirty="0">
+                          <a:latin typeface="Calibri"/>
+                          <a:ea typeface="Calibri"/>
+                          <a:cs typeface="Times New Roman"/>
+                        </a:rPr>
+                        <a:t>Nous sommes 4 développeurs et nous disposons d’un temps de travail dans le cadre de l’UV SI73 et de l’UV LP74. Ce temps de travail représente environ une cinquantaine d’heure par personne, soit 28 jours/homme.</a:t>
+                      </a:r>
+                    </a:p>
+                    <a:p>
+                      <a:pPr>
+                        <a:lnSpc>
+                          <a:spcPct val="115000"/>
+                        </a:lnSpc>
+                        <a:spcAft>
+                          <a:spcPts val="0"/>
+                        </a:spcAft>
+                      </a:pPr>
+                      <a:r>
+                        <a:rPr lang="fr-FR" sz="1100" dirty="0">
+                          <a:latin typeface="Calibri"/>
+                          <a:ea typeface="Calibri"/>
+                          <a:cs typeface="Times New Roman"/>
+                        </a:rPr>
+                        <a:t>En dehors de ce cadre, les développeurs ne sont pas disponibles à 100%.</a:t>
+                      </a:r>
+                    </a:p>
+                  </a:txBody>
+                  <a:tcPr marL="68580" marR="68580" marT="0" marB="0"/>
+                </a:tc>
+                <a:tc>
+                  <a:txBody>
+                    <a:bodyPr/>
+                    <a:lstStyle/>
+                    <a:p>
+                      <a:endParaRPr lang="fr-FR" dirty="0"/>
+                    </a:p>
+                  </a:txBody>
+                  <a:tcPr/>
+                </a:tc>
+              </a:tr>
+            </a:tbl>
+          </a:graphicData>
+        </a:graphic>
+      </p:graphicFrame>
+      <p:sp>
+        <p:nvSpPr>
+          <p:cNvPr id="5" name="ZoneTexte 4"/>
+          <p:cNvSpPr txBox="1"/>
+          <p:nvPr/>
+        </p:nvSpPr>
+        <p:spPr>
+          <a:xfrm>
+            <a:off x="1000100" y="1214422"/>
+            <a:ext cx="1933093" cy="369332"/>
+          </a:xfrm>
+          <a:prstGeom prst="rect">
+            <a:avLst/>
+          </a:prstGeom>
+          <a:noFill/>
+        </p:spPr>
+        <p:txBody>
+          <a:bodyPr wrap="none" rtlCol="0">
+            <a:spAutoFit/>
+          </a:bodyPr>
+          <a:lstStyle/>
+          <a:p>
+            <a:r>
+              <a:rPr lang="fr-FR" dirty="0" smtClean="0"/>
+              <a:t>Analyse faisabilité</a:t>
+            </a:r>
+            <a:endParaRPr lang="fr-FR" dirty="0"/>
+          </a:p>
+        </p:txBody>
+      </p:sp>
+    </p:spTree>
+  </p:cSld>
+  <p:clrMapOvr>
+    <a:masterClrMapping/>
+  </p:clrMapOvr>
+</p:sld>
+</file>
+
+<file path=ppt/slides/slide16.xml><?xml version="1.0" encoding="utf-8"?>
+<p:sld xmlns:a="http://schemas.openxmlformats.org/drawingml/2006/main" xmlns:r="http://schemas.openxmlformats.org/officeDocument/2006/relationships" xmlns:p="http://schemas.openxmlformats.org/presentationml/2006/main">
+  <p:cSld>
+    <p:spTree>
+      <p:nvGrpSpPr>
+        <p:cNvPr id="1" name=""/>
+        <p:cNvGrpSpPr/>
+        <p:nvPr/>
+      </p:nvGrpSpPr>
+      <p:grpSpPr>
+        <a:xfrm>
+          <a:off x="0" y="0"/>
+          <a:ext cx="0" cy="0"/>
+          <a:chOff x="0" y="0"/>
+          <a:chExt cx="0" cy="0"/>
+        </a:xfrm>
+      </p:grpSpPr>
+      <p:sp>
+        <p:nvSpPr>
+          <p:cNvPr id="2" name="Titre 1"/>
+          <p:cNvSpPr>
+            <a:spLocks noGrp="1"/>
+          </p:cNvSpPr>
+          <p:nvPr>
+            <p:ph type="title"/>
+          </p:nvPr>
+        </p:nvSpPr>
+        <p:spPr/>
+        <p:txBody>
+          <a:bodyPr/>
+          <a:lstStyle/>
+          <a:p>
+            <a:r>
+              <a:rPr lang="fr-FR" dirty="0" smtClean="0"/>
+              <a:t>V – gestion </a:t>
+            </a:r>
+            <a:r>
+              <a:rPr lang="fr-FR" smtClean="0"/>
+              <a:t>de projet</a:t>
+            </a:r>
+            <a:endParaRPr lang="fr-FR"/>
+          </a:p>
+        </p:txBody>
+      </p:sp>
+      <p:graphicFrame>
+        <p:nvGraphicFramePr>
+          <p:cNvPr id="4" name="Espace réservé du contenu 3"/>
+          <p:cNvGraphicFramePr>
+            <a:graphicFrameLocks noGrp="1"/>
+          </p:cNvGraphicFramePr>
+          <p:nvPr>
+            <p:ph idx="1"/>
+          </p:nvPr>
+        </p:nvGraphicFramePr>
+        <p:xfrm>
+          <a:off x="857224" y="1714488"/>
+          <a:ext cx="7521576" cy="4612132"/>
+        </p:xfrm>
+        <a:graphic>
+          <a:graphicData uri="http://schemas.openxmlformats.org/drawingml/2006/table">
+            <a:tbl>
+              <a:tblPr firstRow="1" bandRow="1">
+                <a:tableStyleId>{5C22544A-7EE6-4342-B048-85BDC9FD1C3A}</a:tableStyleId>
+              </a:tblPr>
+              <a:tblGrid>
+                <a:gridCol w="2507192"/>
+                <a:gridCol w="2507192"/>
+                <a:gridCol w="2507192"/>
+              </a:tblGrid>
+              <a:tr h="370840">
+                <a:tc>
+                  <a:txBody>
+                    <a:bodyPr/>
+                    <a:lstStyle/>
+                    <a:p>
+                      <a:pPr algn="ctr">
+                        <a:lnSpc>
+                          <a:spcPct val="115000"/>
+                        </a:lnSpc>
+                        <a:spcAft>
+                          <a:spcPts val="0"/>
+                        </a:spcAft>
+                      </a:pPr>
+                      <a:r>
+                        <a:rPr lang="fr-FR" sz="1400" b="1" dirty="0">
+                          <a:latin typeface="Calibri"/>
+                          <a:ea typeface="Calibri"/>
+                          <a:cs typeface="Times New Roman"/>
+                        </a:rPr>
+                        <a:t>Sujet</a:t>
+                      </a:r>
+                      <a:endParaRPr lang="fr-FR" sz="1100" dirty="0">
+                        <a:latin typeface="Calibri"/>
+                        <a:ea typeface="Calibri"/>
+                        <a:cs typeface="Times New Roman"/>
+                      </a:endParaRPr>
+                    </a:p>
+                  </a:txBody>
+                  <a:tcPr marL="68580" marR="68580" marT="0" marB="0"/>
+                </a:tc>
+                <a:tc>
+                  <a:txBody>
+                    <a:bodyPr/>
+                    <a:lstStyle/>
+                    <a:p>
+                      <a:pPr algn="ctr">
+                        <a:lnSpc>
+                          <a:spcPct val="115000"/>
+                        </a:lnSpc>
+                        <a:spcAft>
+                          <a:spcPts val="0"/>
+                        </a:spcAft>
+                      </a:pPr>
+                      <a:r>
+                        <a:rPr lang="fr-FR" sz="1400" b="1">
+                          <a:latin typeface="Calibri"/>
+                          <a:ea typeface="Calibri"/>
+                          <a:cs typeface="Times New Roman"/>
+                        </a:rPr>
+                        <a:t>Comment</a:t>
+                      </a:r>
+                      <a:endParaRPr lang="fr-FR" sz="1100">
+                        <a:latin typeface="Calibri"/>
+                        <a:ea typeface="Calibri"/>
+                        <a:cs typeface="Times New Roman"/>
+                      </a:endParaRPr>
+                    </a:p>
+                  </a:txBody>
+                  <a:tcPr marL="68580" marR="68580" marT="0" marB="0"/>
+                </a:tc>
+                <a:tc>
+                  <a:txBody>
+                    <a:bodyPr/>
+                    <a:lstStyle/>
+                    <a:p>
+                      <a:pPr algn="ctr">
+                        <a:lnSpc>
+                          <a:spcPct val="115000"/>
+                        </a:lnSpc>
+                        <a:spcAft>
+                          <a:spcPts val="0"/>
+                        </a:spcAft>
+                      </a:pPr>
+                      <a:r>
+                        <a:rPr lang="fr-FR" sz="1400" b="1">
+                          <a:latin typeface="Calibri"/>
+                          <a:ea typeface="Calibri"/>
+                          <a:cs typeface="Times New Roman"/>
+                        </a:rPr>
+                        <a:t>Pourquoi</a:t>
+                      </a:r>
+                      <a:endParaRPr lang="fr-FR" sz="1100">
+                        <a:latin typeface="Calibri"/>
+                        <a:ea typeface="Calibri"/>
+                        <a:cs typeface="Times New Roman"/>
+                      </a:endParaRPr>
+                    </a:p>
+                  </a:txBody>
+                  <a:tcPr marL="68580" marR="68580" marT="0" marB="0"/>
+                </a:tc>
+              </a:tr>
+              <a:tr h="370840">
+                <a:tc>
+                  <a:txBody>
+                    <a:bodyPr/>
+                    <a:lstStyle/>
+                    <a:p>
+                      <a:pPr algn="just">
+                        <a:lnSpc>
+                          <a:spcPct val="115000"/>
+                        </a:lnSpc>
+                        <a:spcAft>
+                          <a:spcPts val="0"/>
+                        </a:spcAft>
+                      </a:pPr>
+                      <a:r>
+                        <a:rPr lang="fr-FR" sz="1400" b="1">
+                          <a:latin typeface="Calibri"/>
+                          <a:ea typeface="Calibri"/>
+                          <a:cs typeface="Times New Roman"/>
+                        </a:rPr>
+                        <a:t>Analyse poussée de l’objectif</a:t>
+                      </a:r>
+                      <a:endParaRPr lang="fr-FR" sz="1100">
+                        <a:latin typeface="Calibri"/>
+                        <a:ea typeface="Calibri"/>
+                        <a:cs typeface="Times New Roman"/>
+                      </a:endParaRPr>
+                    </a:p>
+                  </a:txBody>
+                  <a:tcPr marL="68580" marR="68580" marT="0" marB="0"/>
+                </a:tc>
+                <a:tc>
+                  <a:txBody>
+                    <a:bodyPr/>
+                    <a:lstStyle/>
+                    <a:p>
+                      <a:pPr algn="just">
+                        <a:lnSpc>
+                          <a:spcPct val="115000"/>
+                        </a:lnSpc>
+                        <a:spcAft>
+                          <a:spcPts val="0"/>
+                        </a:spcAft>
+                      </a:pPr>
+                      <a:r>
+                        <a:rPr lang="fr-FR" sz="1100">
+                          <a:latin typeface="Calibri"/>
+                          <a:ea typeface="Calibri"/>
+                          <a:cs typeface="Times New Roman"/>
+                        </a:rPr>
+                        <a:t>A l’aide des questions d’Aristote (QQOQCPC).</a:t>
+                      </a:r>
+                    </a:p>
+                  </a:txBody>
+                  <a:tcPr marL="68580" marR="68580" marT="0" marB="0"/>
+                </a:tc>
+                <a:tc>
+                  <a:txBody>
+                    <a:bodyPr/>
+                    <a:lstStyle/>
+                    <a:p>
+                      <a:pPr algn="just">
+                        <a:lnSpc>
+                          <a:spcPct val="115000"/>
+                        </a:lnSpc>
+                        <a:spcAft>
+                          <a:spcPts val="0"/>
+                        </a:spcAft>
+                      </a:pPr>
+                      <a:r>
+                        <a:rPr lang="fr-FR" sz="1100">
+                          <a:latin typeface="Calibri"/>
+                          <a:ea typeface="Calibri"/>
+                          <a:cs typeface="Times New Roman"/>
+                        </a:rPr>
+                        <a:t>L’analyse poussée de l’objectif permet de faire le tour de toutes les questions qui doivent être posées avant le début du projet pour de futures analyses.</a:t>
+                      </a:r>
+                    </a:p>
+                  </a:txBody>
+                  <a:tcPr marL="68580" marR="68580" marT="0" marB="0"/>
+                </a:tc>
+              </a:tr>
+              <a:tr h="370840">
+                <a:tc>
+                  <a:txBody>
+                    <a:bodyPr/>
+                    <a:lstStyle/>
+                    <a:p>
+                      <a:pPr algn="just">
+                        <a:lnSpc>
+                          <a:spcPct val="115000"/>
+                        </a:lnSpc>
+                        <a:spcAft>
+                          <a:spcPts val="0"/>
+                        </a:spcAft>
+                      </a:pPr>
+                      <a:r>
+                        <a:rPr lang="fr-FR" sz="1400" b="1">
+                          <a:latin typeface="Calibri"/>
+                          <a:ea typeface="Calibri"/>
+                          <a:cs typeface="Times New Roman"/>
+                        </a:rPr>
+                        <a:t>Liste des contraintes</a:t>
+                      </a:r>
+                      <a:endParaRPr lang="fr-FR" sz="1100">
+                        <a:latin typeface="Calibri"/>
+                        <a:ea typeface="Calibri"/>
+                        <a:cs typeface="Times New Roman"/>
+                      </a:endParaRPr>
+                    </a:p>
+                  </a:txBody>
+                  <a:tcPr marL="68580" marR="68580" marT="0" marB="0"/>
+                </a:tc>
+                <a:tc>
+                  <a:txBody>
+                    <a:bodyPr/>
+                    <a:lstStyle/>
+                    <a:p>
+                      <a:pPr algn="just">
+                        <a:lnSpc>
+                          <a:spcPct val="115000"/>
+                        </a:lnSpc>
+                        <a:spcAft>
+                          <a:spcPts val="0"/>
+                        </a:spcAft>
+                      </a:pPr>
+                      <a:r>
+                        <a:rPr lang="fr-FR" sz="1100">
+                          <a:latin typeface="Calibri"/>
+                          <a:ea typeface="Calibri"/>
+                          <a:cs typeface="Times New Roman"/>
+                        </a:rPr>
+                        <a:t>En recensant l’ensemble des contraintes du projet et en les classant par typologie (métier, temporelle, légale, …)</a:t>
+                      </a:r>
+                    </a:p>
+                  </a:txBody>
+                  <a:tcPr marL="68580" marR="68580" marT="0" marB="0"/>
+                </a:tc>
+                <a:tc>
+                  <a:txBody>
+                    <a:bodyPr/>
+                    <a:lstStyle/>
+                    <a:p>
+                      <a:pPr algn="just">
+                        <a:lnSpc>
+                          <a:spcPct val="115000"/>
+                        </a:lnSpc>
+                        <a:spcAft>
+                          <a:spcPts val="0"/>
+                        </a:spcAft>
+                      </a:pPr>
+                      <a:r>
+                        <a:rPr lang="fr-FR" sz="1100">
+                          <a:latin typeface="Calibri"/>
+                          <a:ea typeface="Calibri"/>
+                          <a:cs typeface="Times New Roman"/>
+                        </a:rPr>
+                        <a:t>Pour délimiter notre marge de manœuvre et d’orienter les différentes décisions, qu’elles soient techniques ou fonctionnelles.</a:t>
+                      </a:r>
+                    </a:p>
+                  </a:txBody>
+                  <a:tcPr marL="68580" marR="68580" marT="0" marB="0"/>
+                </a:tc>
+              </a:tr>
+              <a:tr h="370840">
+                <a:tc>
+                  <a:txBody>
+                    <a:bodyPr/>
+                    <a:lstStyle/>
+                    <a:p>
+                      <a:pPr algn="just">
+                        <a:lnSpc>
+                          <a:spcPct val="115000"/>
+                        </a:lnSpc>
+                        <a:spcAft>
+                          <a:spcPts val="0"/>
+                        </a:spcAft>
+                      </a:pPr>
+                      <a:r>
+                        <a:rPr lang="fr-FR" sz="1400" b="1">
+                          <a:latin typeface="Calibri"/>
+                          <a:ea typeface="Calibri"/>
+                          <a:cs typeface="Times New Roman"/>
+                        </a:rPr>
+                        <a:t>Liste des exigences</a:t>
+                      </a:r>
+                      <a:endParaRPr lang="fr-FR" sz="1100">
+                        <a:latin typeface="Calibri"/>
+                        <a:ea typeface="Calibri"/>
+                        <a:cs typeface="Times New Roman"/>
+                      </a:endParaRPr>
+                    </a:p>
+                  </a:txBody>
+                  <a:tcPr marL="68580" marR="68580" marT="0" marB="0"/>
+                </a:tc>
+                <a:tc>
+                  <a:txBody>
+                    <a:bodyPr/>
+                    <a:lstStyle/>
+                    <a:p>
+                      <a:pPr algn="just">
+                        <a:lnSpc>
+                          <a:spcPct val="115000"/>
+                        </a:lnSpc>
+                        <a:spcAft>
+                          <a:spcPts val="0"/>
+                        </a:spcAft>
+                      </a:pPr>
+                      <a:r>
+                        <a:rPr lang="fr-FR" sz="1100">
+                          <a:latin typeface="Calibri"/>
+                          <a:ea typeface="Calibri"/>
+                          <a:cs typeface="Times New Roman"/>
+                        </a:rPr>
+                        <a:t>En recensant l’ensemble des exigences du projet qu’elles soient fonctionnelles ou non. Chaque exigence est spécifiée par un résultat attendu et un écart autorisé.</a:t>
+                      </a:r>
+                    </a:p>
+                  </a:txBody>
+                  <a:tcPr marL="68580" marR="68580" marT="0" marB="0"/>
+                </a:tc>
+                <a:tc>
+                  <a:txBody>
+                    <a:bodyPr/>
+                    <a:lstStyle/>
+                    <a:p>
+                      <a:pPr algn="just">
+                        <a:lnSpc>
+                          <a:spcPct val="115000"/>
+                        </a:lnSpc>
+                        <a:spcAft>
+                          <a:spcPts val="0"/>
+                        </a:spcAft>
+                      </a:pPr>
+                      <a:r>
+                        <a:rPr lang="fr-FR" sz="1100">
+                          <a:latin typeface="Calibri"/>
+                          <a:ea typeface="Calibri"/>
+                          <a:cs typeface="Times New Roman"/>
+                        </a:rPr>
+                        <a:t>Pour réaliser une application conforme aux exigences du client, il faut que cette liste soit créée avant le début du développement. Elle sert de base au cahier de recettes.</a:t>
+                      </a:r>
+                    </a:p>
+                  </a:txBody>
+                  <a:tcPr marL="68580" marR="68580" marT="0" marB="0"/>
+                </a:tc>
+              </a:tr>
+              <a:tr h="370840">
+                <a:tc>
+                  <a:txBody>
+                    <a:bodyPr/>
+                    <a:lstStyle/>
+                    <a:p>
+                      <a:pPr algn="just">
+                        <a:lnSpc>
+                          <a:spcPct val="115000"/>
+                        </a:lnSpc>
+                        <a:spcAft>
+                          <a:spcPts val="0"/>
+                        </a:spcAft>
+                      </a:pPr>
+                      <a:r>
+                        <a:rPr lang="fr-FR" sz="1400" b="1">
+                          <a:latin typeface="Calibri"/>
+                          <a:ea typeface="Calibri"/>
+                          <a:cs typeface="Times New Roman"/>
+                        </a:rPr>
+                        <a:t>Etat de l’art</a:t>
+                      </a:r>
+                      <a:endParaRPr lang="fr-FR" sz="1100">
+                        <a:latin typeface="Calibri"/>
+                        <a:ea typeface="Calibri"/>
+                        <a:cs typeface="Times New Roman"/>
+                      </a:endParaRPr>
+                    </a:p>
+                  </a:txBody>
+                  <a:tcPr marL="68580" marR="68580" marT="0" marB="0"/>
+                </a:tc>
+                <a:tc>
+                  <a:txBody>
+                    <a:bodyPr/>
+                    <a:lstStyle/>
+                    <a:p>
+                      <a:pPr algn="just">
+                        <a:lnSpc>
+                          <a:spcPct val="115000"/>
+                        </a:lnSpc>
+                        <a:spcAft>
+                          <a:spcPts val="0"/>
+                        </a:spcAft>
+                      </a:pPr>
+                      <a:r>
+                        <a:rPr lang="fr-FR" sz="1100">
+                          <a:latin typeface="Calibri"/>
+                          <a:ea typeface="Calibri"/>
+                          <a:cs typeface="Times New Roman"/>
+                        </a:rPr>
+                        <a:t>Après avoir identifié les différentes fonctionnalités attendues de Modelisator, nous avons cherché des logiciels similaires sur des plateformes de distribution logicielle (web).</a:t>
+                      </a:r>
+                    </a:p>
+                  </a:txBody>
+                  <a:tcPr marL="68580" marR="68580" marT="0" marB="0"/>
+                </a:tc>
+                <a:tc>
+                  <a:txBody>
+                    <a:bodyPr/>
+                    <a:lstStyle/>
+                    <a:p>
+                      <a:pPr algn="just">
+                        <a:lnSpc>
+                          <a:spcPct val="115000"/>
+                        </a:lnSpc>
+                        <a:spcAft>
+                          <a:spcPts val="0"/>
+                        </a:spcAft>
+                      </a:pPr>
+                      <a:r>
+                        <a:rPr lang="fr-FR" sz="1100">
+                          <a:latin typeface="Calibri"/>
+                          <a:ea typeface="Calibri"/>
+                          <a:cs typeface="Times New Roman"/>
+                        </a:rPr>
+                        <a:t>Permet de se renseigner sur l’existant (concurrence éventuelle) ainsi que de profiter des retours d’expérience des précédents développements. On s’assure de ne pas réinventer la roue.</a:t>
+                      </a:r>
+                    </a:p>
+                  </a:txBody>
+                  <a:tcPr marL="68580" marR="68580" marT="0" marB="0"/>
+                </a:tc>
+              </a:tr>
+              <a:tr h="370840">
+                <a:tc>
+                  <a:txBody>
+                    <a:bodyPr/>
+                    <a:lstStyle/>
+                    <a:p>
+                      <a:pPr algn="just">
+                        <a:lnSpc>
+                          <a:spcPct val="115000"/>
+                        </a:lnSpc>
+                        <a:spcAft>
+                          <a:spcPts val="0"/>
+                        </a:spcAft>
+                      </a:pPr>
+                      <a:r>
+                        <a:rPr lang="fr-FR" sz="1400" b="1">
+                          <a:latin typeface="Calibri"/>
+                          <a:ea typeface="Calibri"/>
+                          <a:cs typeface="Times New Roman"/>
+                        </a:rPr>
+                        <a:t>Analyse de faisabilité</a:t>
+                      </a:r>
+                      <a:endParaRPr lang="fr-FR" sz="1100">
+                        <a:latin typeface="Calibri"/>
+                        <a:ea typeface="Calibri"/>
+                        <a:cs typeface="Times New Roman"/>
+                      </a:endParaRPr>
+                    </a:p>
+                  </a:txBody>
+                  <a:tcPr marL="68580" marR="68580" marT="0" marB="0"/>
+                </a:tc>
+                <a:tc>
+                  <a:txBody>
+                    <a:bodyPr/>
+                    <a:lstStyle/>
+                    <a:p>
+                      <a:pPr algn="just">
+                        <a:lnSpc>
+                          <a:spcPct val="115000"/>
+                        </a:lnSpc>
+                        <a:spcAft>
+                          <a:spcPts val="0"/>
+                        </a:spcAft>
+                      </a:pPr>
+                      <a:r>
+                        <a:rPr lang="fr-FR" sz="1100">
+                          <a:latin typeface="Calibri"/>
+                          <a:ea typeface="Calibri"/>
+                          <a:cs typeface="Times New Roman"/>
+                        </a:rPr>
+                        <a:t>Pour réaliser cette analyse, nous nous sommes basés sur trois composantes : le niveau de technicité apporté, le budget alloué, et les ressources déployées.</a:t>
+                      </a:r>
+                    </a:p>
+                  </a:txBody>
+                  <a:tcPr marL="68580" marR="68580" marT="0" marB="0"/>
+                </a:tc>
+                <a:tc>
+                  <a:txBody>
+                    <a:bodyPr/>
+                    <a:lstStyle/>
+                    <a:p>
+                      <a:pPr algn="just">
+                        <a:lnSpc>
+                          <a:spcPct val="115000"/>
+                        </a:lnSpc>
+                        <a:spcAft>
+                          <a:spcPts val="0"/>
+                        </a:spcAft>
+                      </a:pPr>
+                      <a:r>
+                        <a:rPr lang="fr-FR" sz="1100" dirty="0">
+                          <a:latin typeface="Calibri"/>
+                          <a:ea typeface="Calibri"/>
+                          <a:cs typeface="Times New Roman"/>
+                        </a:rPr>
+                        <a:t>Etude menée afin de savoir si le projet est réalisable. Cela se fait en étudiant le délai et les ressources disponibles.</a:t>
+                      </a:r>
+                    </a:p>
+                  </a:txBody>
+                  <a:tcPr marL="68580" marR="68580" marT="0" marB="0"/>
+                </a:tc>
+              </a:tr>
+            </a:tbl>
+          </a:graphicData>
+        </a:graphic>
+      </p:graphicFrame>
+      <p:sp>
+        <p:nvSpPr>
+          <p:cNvPr id="5" name="ZoneTexte 4"/>
+          <p:cNvSpPr txBox="1"/>
+          <p:nvPr/>
+        </p:nvSpPr>
+        <p:spPr>
+          <a:xfrm>
+            <a:off x="857224" y="1071546"/>
+            <a:ext cx="6758773" cy="646331"/>
+          </a:xfrm>
+          <a:prstGeom prst="rect">
+            <a:avLst/>
+          </a:prstGeom>
+          <a:noFill/>
+        </p:spPr>
+        <p:txBody>
+          <a:bodyPr wrap="none" rtlCol="0">
+            <a:spAutoFit/>
+          </a:bodyPr>
+          <a:lstStyle/>
+          <a:p>
+            <a:r>
+              <a:rPr lang="fr-FR" b="1" dirty="0" smtClean="0"/>
+              <a:t>Justification et Méthode : Phase d’analyse des besoins et faisabilité</a:t>
+            </a:r>
+          </a:p>
+          <a:p>
+            <a:endParaRPr lang="fr-FR" dirty="0"/>
+          </a:p>
+        </p:txBody>
+      </p:sp>
+    </p:spTree>
+  </p:cSld>
+  <p:clrMapOvr>
+    <a:masterClrMapping/>
+  </p:clrMapOvr>
 </p:sld>
 </file>
 
@@ -7193,7 +9479,400 @@
           <a:p>
             <a:r>
               <a:rPr lang="fr-FR" dirty="0" smtClean="0"/>
-              <a:t>VII – Tests</a:t>
+              <a:t>V – Gestion de projet</a:t>
+            </a:r>
+            <a:endParaRPr lang="fr-FR" dirty="0"/>
+          </a:p>
+        </p:txBody>
+      </p:sp>
+      <p:graphicFrame>
+        <p:nvGraphicFramePr>
+          <p:cNvPr id="4" name="Espace réservé du contenu 3"/>
+          <p:cNvGraphicFramePr>
+            <a:graphicFrameLocks noGrp="1"/>
+          </p:cNvGraphicFramePr>
+          <p:nvPr>
+            <p:ph idx="1"/>
+          </p:nvPr>
+        </p:nvGraphicFramePr>
+        <p:xfrm>
+          <a:off x="714348" y="1714488"/>
+          <a:ext cx="7821642" cy="3114680"/>
+        </p:xfrm>
+        <a:graphic>
+          <a:graphicData uri="http://schemas.openxmlformats.org/drawingml/2006/table">
+            <a:tbl>
+              <a:tblPr firstRow="1" bandRow="1">
+                <a:tableStyleId>{5C22544A-7EE6-4342-B048-85BDC9FD1C3A}</a:tableStyleId>
+              </a:tblPr>
+              <a:tblGrid>
+                <a:gridCol w="2607214"/>
+                <a:gridCol w="2607214"/>
+                <a:gridCol w="2607214"/>
+              </a:tblGrid>
+              <a:tr h="1415764">
+                <a:tc>
+                  <a:txBody>
+                    <a:bodyPr/>
+                    <a:lstStyle/>
+                    <a:p>
+                      <a:pPr algn="l">
+                        <a:lnSpc>
+                          <a:spcPct val="115000"/>
+                        </a:lnSpc>
+                        <a:spcAft>
+                          <a:spcPts val="0"/>
+                        </a:spcAft>
+                      </a:pPr>
+                      <a:r>
+                        <a:rPr lang="fr-FR" sz="1100" b="1" dirty="0">
+                          <a:latin typeface="Calibri"/>
+                          <a:ea typeface="Calibri"/>
+                          <a:cs typeface="Times New Roman"/>
+                        </a:rPr>
+                        <a:t>Mesurable</a:t>
+                      </a:r>
+                      <a:r>
+                        <a:rPr lang="fr-FR" sz="1100" dirty="0">
+                          <a:latin typeface="Calibri"/>
+                          <a:ea typeface="Calibri"/>
+                          <a:cs typeface="Times New Roman"/>
+                        </a:rPr>
+                        <a:t> :</a:t>
+                      </a:r>
+                    </a:p>
+                    <a:p>
+                      <a:pPr algn="l">
+                        <a:lnSpc>
+                          <a:spcPct val="115000"/>
+                        </a:lnSpc>
+                        <a:spcAft>
+                          <a:spcPts val="0"/>
+                        </a:spcAft>
+                      </a:pPr>
+                      <a:r>
+                        <a:rPr lang="fr-FR" sz="1100" dirty="0" err="1">
+                          <a:latin typeface="Calibri"/>
+                          <a:ea typeface="Calibri"/>
+                          <a:cs typeface="Times New Roman"/>
+                        </a:rPr>
+                        <a:t>Modelisator</a:t>
+                      </a:r>
+                      <a:r>
+                        <a:rPr lang="fr-FR" sz="1100" dirty="0">
+                          <a:latin typeface="Calibri"/>
+                          <a:ea typeface="Calibri"/>
+                          <a:cs typeface="Times New Roman"/>
+                        </a:rPr>
+                        <a:t> est mesurable par sa capacité à modéliser des objets de la liste spécifiée.</a:t>
+                      </a:r>
+                    </a:p>
+                  </a:txBody>
+                  <a:tcPr marL="68580" marR="68580" marT="0" marB="0"/>
+                </a:tc>
+                <a:tc>
+                  <a:txBody>
+                    <a:bodyPr/>
+                    <a:lstStyle/>
+                    <a:p>
+                      <a:pPr algn="l">
+                        <a:lnSpc>
+                          <a:spcPct val="115000"/>
+                        </a:lnSpc>
+                        <a:spcAft>
+                          <a:spcPts val="0"/>
+                        </a:spcAft>
+                      </a:pPr>
+                      <a:r>
+                        <a:rPr lang="fr-FR" sz="1100" b="1">
+                          <a:latin typeface="Calibri"/>
+                          <a:ea typeface="Calibri"/>
+                          <a:cs typeface="Times New Roman"/>
+                        </a:rPr>
+                        <a:t>Atteignable :</a:t>
+                      </a:r>
+                      <a:endParaRPr lang="fr-FR" sz="1100">
+                        <a:latin typeface="Calibri"/>
+                        <a:ea typeface="Calibri"/>
+                        <a:cs typeface="Times New Roman"/>
+                      </a:endParaRPr>
+                    </a:p>
+                    <a:p>
+                      <a:pPr algn="l">
+                        <a:lnSpc>
+                          <a:spcPct val="115000"/>
+                        </a:lnSpc>
+                        <a:spcAft>
+                          <a:spcPts val="0"/>
+                        </a:spcAft>
+                      </a:pPr>
+                      <a:r>
+                        <a:rPr lang="fr-FR" sz="1100">
+                          <a:latin typeface="Calibri"/>
+                          <a:ea typeface="Calibri"/>
+                          <a:cs typeface="Times New Roman"/>
+                        </a:rPr>
+                        <a:t>Le projet  Modelisator est réalisable de par la décomposition du niveau de modélisation d’objets partant du plus simple au plus détaillé.</a:t>
+                      </a:r>
+                    </a:p>
+                  </a:txBody>
+                  <a:tcPr marL="68580" marR="68580" marT="0" marB="0"/>
+                </a:tc>
+                <a:tc>
+                  <a:txBody>
+                    <a:bodyPr/>
+                    <a:lstStyle/>
+                    <a:p>
+                      <a:pPr algn="l">
+                        <a:lnSpc>
+                          <a:spcPct val="115000"/>
+                        </a:lnSpc>
+                        <a:spcAft>
+                          <a:spcPts val="0"/>
+                        </a:spcAft>
+                      </a:pPr>
+                      <a:r>
+                        <a:rPr lang="fr-FR" sz="1100" b="1">
+                          <a:latin typeface="Calibri"/>
+                          <a:ea typeface="Calibri"/>
+                          <a:cs typeface="Times New Roman"/>
+                        </a:rPr>
+                        <a:t>Limité</a:t>
+                      </a:r>
+                      <a:r>
+                        <a:rPr lang="fr-FR" sz="1100">
+                          <a:latin typeface="Calibri"/>
+                          <a:ea typeface="Calibri"/>
+                          <a:cs typeface="Times New Roman"/>
+                        </a:rPr>
+                        <a:t> :</a:t>
+                      </a:r>
+                    </a:p>
+                    <a:p>
+                      <a:pPr algn="l">
+                        <a:lnSpc>
+                          <a:spcPct val="115000"/>
+                        </a:lnSpc>
+                        <a:spcAft>
+                          <a:spcPts val="0"/>
+                        </a:spcAft>
+                      </a:pPr>
+                      <a:r>
+                        <a:rPr lang="fr-FR" sz="1100">
+                          <a:latin typeface="Calibri"/>
+                          <a:ea typeface="Calibri"/>
+                          <a:cs typeface="Times New Roman"/>
+                        </a:rPr>
+                        <a:t>Le projet a pour date limite le 24/06/2015</a:t>
+                      </a:r>
+                    </a:p>
+                  </a:txBody>
+                  <a:tcPr marL="68580" marR="68580" marT="0" marB="0"/>
+                </a:tc>
+              </a:tr>
+              <a:tr h="1698916">
+                <a:tc>
+                  <a:txBody>
+                    <a:bodyPr/>
+                    <a:lstStyle/>
+                    <a:p>
+                      <a:pPr algn="just">
+                        <a:lnSpc>
+                          <a:spcPct val="115000"/>
+                        </a:lnSpc>
+                        <a:spcAft>
+                          <a:spcPts val="0"/>
+                        </a:spcAft>
+                      </a:pPr>
+                      <a:r>
+                        <a:rPr lang="fr-FR" sz="1100" b="1" dirty="0">
+                          <a:latin typeface="Calibri"/>
+                          <a:ea typeface="Calibri"/>
+                          <a:cs typeface="Times New Roman"/>
+                        </a:rPr>
+                        <a:t>Intelligent</a:t>
+                      </a:r>
+                      <a:r>
+                        <a:rPr lang="fr-FR" sz="1100" dirty="0">
+                          <a:latin typeface="Calibri"/>
+                          <a:ea typeface="Calibri"/>
+                          <a:cs typeface="Times New Roman"/>
+                        </a:rPr>
+                        <a:t> :</a:t>
+                      </a:r>
+                    </a:p>
+                    <a:p>
+                      <a:pPr algn="l">
+                        <a:lnSpc>
+                          <a:spcPct val="115000"/>
+                        </a:lnSpc>
+                        <a:spcAft>
+                          <a:spcPts val="0"/>
+                        </a:spcAft>
+                      </a:pPr>
+                      <a:r>
+                        <a:rPr lang="fr-FR" sz="1100" dirty="0">
+                          <a:latin typeface="Calibri"/>
+                          <a:ea typeface="Calibri"/>
+                          <a:cs typeface="Times New Roman"/>
+                        </a:rPr>
+                        <a:t>Il répond aux besoins forts des entités à petit budget souhaitant modéliser leur catalogue.</a:t>
+                      </a:r>
+                    </a:p>
+                  </a:txBody>
+                  <a:tcPr marL="68580" marR="68580" marT="0" marB="0"/>
+                </a:tc>
+                <a:tc>
+                  <a:txBody>
+                    <a:bodyPr/>
+                    <a:lstStyle/>
+                    <a:p>
+                      <a:pPr algn="l">
+                        <a:lnSpc>
+                          <a:spcPct val="115000"/>
+                        </a:lnSpc>
+                        <a:spcAft>
+                          <a:spcPts val="0"/>
+                        </a:spcAft>
+                      </a:pPr>
+                      <a:r>
+                        <a:rPr lang="fr-FR" sz="1100" b="1">
+                          <a:latin typeface="Calibri"/>
+                          <a:ea typeface="Calibri"/>
+                          <a:cs typeface="Times New Roman"/>
+                        </a:rPr>
+                        <a:t>Négociable</a:t>
+                      </a:r>
+                      <a:r>
+                        <a:rPr lang="fr-FR" sz="1100">
+                          <a:latin typeface="Calibri"/>
+                          <a:ea typeface="Calibri"/>
+                          <a:cs typeface="Times New Roman"/>
+                        </a:rPr>
+                        <a:t> :</a:t>
+                      </a:r>
+                    </a:p>
+                    <a:p>
+                      <a:pPr algn="l">
+                        <a:lnSpc>
+                          <a:spcPct val="115000"/>
+                        </a:lnSpc>
+                        <a:spcAft>
+                          <a:spcPts val="0"/>
+                        </a:spcAft>
+                      </a:pPr>
+                      <a:r>
+                        <a:rPr lang="fr-FR" sz="1100">
+                          <a:latin typeface="Calibri"/>
+                          <a:ea typeface="Calibri"/>
+                          <a:cs typeface="Times New Roman"/>
+                        </a:rPr>
+                        <a:t>Grace au niveau détaillé progressif de la modélisation des objets, il est possible d’adapter l’objectif en réduisant le périmètre de modélisation des objets au profit de la qualité.</a:t>
+                      </a:r>
+                    </a:p>
+                  </a:txBody>
+                  <a:tcPr marL="68580" marR="68580" marT="0" marB="0"/>
+                </a:tc>
+                <a:tc>
+                  <a:txBody>
+                    <a:bodyPr/>
+                    <a:lstStyle/>
+                    <a:p>
+                      <a:pPr algn="l">
+                        <a:lnSpc>
+                          <a:spcPct val="115000"/>
+                        </a:lnSpc>
+                        <a:spcAft>
+                          <a:spcPts val="0"/>
+                        </a:spcAft>
+                      </a:pPr>
+                      <a:endParaRPr lang="fr-FR" sz="1100" dirty="0">
+                        <a:latin typeface="Calibri"/>
+                        <a:ea typeface="Calibri"/>
+                        <a:cs typeface="Times New Roman"/>
+                      </a:endParaRPr>
+                    </a:p>
+                  </a:txBody>
+                  <a:tcPr marL="68580" marR="68580" marT="0" marB="0"/>
+                </a:tc>
+              </a:tr>
+            </a:tbl>
+          </a:graphicData>
+        </a:graphic>
+      </p:graphicFrame>
+      <p:sp>
+        <p:nvSpPr>
+          <p:cNvPr id="5" name="ZoneTexte 4"/>
+          <p:cNvSpPr txBox="1"/>
+          <p:nvPr/>
+        </p:nvSpPr>
+        <p:spPr>
+          <a:xfrm>
+            <a:off x="785786" y="1214422"/>
+            <a:ext cx="2811988" cy="369332"/>
+          </a:xfrm>
+          <a:prstGeom prst="rect">
+            <a:avLst/>
+          </a:prstGeom>
+          <a:noFill/>
+        </p:spPr>
+        <p:txBody>
+          <a:bodyPr wrap="none" rtlCol="0">
+            <a:spAutoFit/>
+          </a:bodyPr>
+          <a:lstStyle/>
+          <a:p>
+            <a:r>
+              <a:rPr lang="fr-FR" dirty="0" smtClean="0"/>
+              <a:t>Analyse MALIN de l’objectif</a:t>
+            </a:r>
+            <a:endParaRPr lang="fr-FR" dirty="0"/>
+          </a:p>
+        </p:txBody>
+      </p:sp>
+    </p:spTree>
+  </p:cSld>
+  <p:clrMapOvr>
+    <a:masterClrMapping/>
+  </p:clrMapOvr>
+</p:sld>
+</file>
+
+<file path=ppt/slides/slide9.xml><?xml version="1.0" encoding="utf-8"?>
+<p:sld xmlns:a="http://schemas.openxmlformats.org/drawingml/2006/main" xmlns:r="http://schemas.openxmlformats.org/officeDocument/2006/relationships" xmlns:p="http://schemas.openxmlformats.org/presentationml/2006/main">
+  <p:cSld>
+    <p:spTree>
+      <p:nvGrpSpPr>
+        <p:cNvPr id="1" name=""/>
+        <p:cNvGrpSpPr/>
+        <p:nvPr/>
+      </p:nvGrpSpPr>
+      <p:grpSpPr>
+        <a:xfrm>
+          <a:off x="0" y="0"/>
+          <a:ext cx="0" cy="0"/>
+          <a:chOff x="0" y="0"/>
+          <a:chExt cx="0" cy="0"/>
+        </a:xfrm>
+      </p:grpSpPr>
+      <p:sp>
+        <p:nvSpPr>
+          <p:cNvPr id="2" name="Titre 1"/>
+          <p:cNvSpPr>
+            <a:spLocks noGrp="1"/>
+          </p:cNvSpPr>
+          <p:nvPr>
+            <p:ph type="title"/>
+          </p:nvPr>
+        </p:nvSpPr>
+        <p:spPr/>
+        <p:txBody>
+          <a:bodyPr/>
+          <a:lstStyle/>
+          <a:p>
+            <a:r>
+              <a:rPr lang="fr-FR" dirty="0" smtClean="0"/>
+              <a:t>V – Gestion de projet</a:t>
             </a:r>
             <a:endParaRPr lang="fr-FR" dirty="0"/>
           </a:p>
@@ -7201,9 +9880,9 @@
       </p:sp>
       <p:pic>
         <p:nvPicPr>
-          <p:cNvPr id="5" name="Espace réservé du contenu 4" descr="test-produits.jpeg"/>
+          <p:cNvPr id="21506" name="Picture 2"/>
           <p:cNvPicPr>
-            <a:picLocks noGrp="1" noChangeAspect="1"/>
+            <a:picLocks noGrp="1" noChangeAspect="1" noChangeArrowheads="1"/>
           </p:cNvPicPr>
           <p:nvPr>
             <p:ph idx="1"/>
@@ -7211,153 +9890,34 @@
         </p:nvPicPr>
         <p:blipFill>
           <a:blip r:embed="rId2"/>
+          <a:srcRect/>
           <a:stretch>
             <a:fillRect/>
           </a:stretch>
         </p:blipFill>
-        <p:spPr>
-          <a:xfrm>
-            <a:off x="5072066" y="1214422"/>
-            <a:ext cx="3810000" cy="2857500"/>
-          </a:xfrm>
-        </p:spPr>
-      </p:pic>
-      <p:sp>
-        <p:nvSpPr>
-          <p:cNvPr id="1026" name="AutoShape 2" descr="Résultat de recherche d'images pour &quot;test unitaire&quot;"/>
-          <p:cNvSpPr>
-            <a:spLocks noChangeAspect="1" noChangeArrowheads="1"/>
-          </p:cNvSpPr>
-          <p:nvPr/>
-        </p:nvSpPr>
         <p:spPr bwMode="auto">
           <a:xfrm>
-            <a:off x="155575" y="-144463"/>
-            <a:ext cx="304800" cy="304801"/>
+            <a:off x="1214414" y="928670"/>
+            <a:ext cx="7000924" cy="4036194"/>
           </a:xfrm>
           <a:prstGeom prst="rect">
             <a:avLst/>
           </a:prstGeom>
           <a:noFill/>
+          <a:ln w="9525">
+            <a:noFill/>
+            <a:miter lim="800000"/>
+            <a:headEnd/>
+            <a:tailEnd/>
+          </a:ln>
+          <a:effectLst/>
         </p:spPr>
-        <p:txBody>
-          <a:bodyPr vert="horz" wrap="square" lIns="91440" tIns="45720" rIns="91440" bIns="45720" numCol="1" anchor="t" anchorCtr="0" compatLnSpc="1">
-            <a:prstTxWarp prst="textNoShape">
-              <a:avLst/>
-            </a:prstTxWarp>
-          </a:bodyPr>
-          <a:lstStyle/>
-          <a:p>
-            <a:endParaRPr lang="fr-FR"/>
-          </a:p>
-        </p:txBody>
-      </p:sp>
-      <p:sp>
-        <p:nvSpPr>
-          <p:cNvPr id="6" name="ZoneTexte 5"/>
-          <p:cNvSpPr txBox="1"/>
-          <p:nvPr/>
-        </p:nvSpPr>
-        <p:spPr>
-          <a:xfrm>
-            <a:off x="928662" y="1357298"/>
-            <a:ext cx="2079415" cy="3077766"/>
-          </a:xfrm>
-          <a:prstGeom prst="rect">
-            <a:avLst/>
-          </a:prstGeom>
-          <a:noFill/>
-        </p:spPr>
-        <p:txBody>
-          <a:bodyPr wrap="none" rtlCol="0">
-            <a:spAutoFit/>
-          </a:bodyPr>
-          <a:lstStyle/>
-          <a:p>
-            <a:pPr>
-              <a:buFontTx/>
-              <a:buChar char="-"/>
-            </a:pPr>
-            <a:r>
-              <a:rPr lang="fr-FR" sz="2800" dirty="0" smtClean="0"/>
-              <a:t> Unitaires</a:t>
-            </a:r>
-          </a:p>
-          <a:p>
-            <a:pPr>
-              <a:buFontTx/>
-              <a:buChar char="-"/>
-            </a:pPr>
-            <a:endParaRPr lang="fr-FR" dirty="0" smtClean="0"/>
-          </a:p>
-          <a:p>
-            <a:pPr>
-              <a:buFontTx/>
-              <a:buChar char="-"/>
-            </a:pPr>
-            <a:endParaRPr lang="fr-FR" dirty="0" smtClean="0"/>
-          </a:p>
-          <a:p>
-            <a:pPr>
-              <a:buFontTx/>
-              <a:buChar char="-"/>
-            </a:pPr>
-            <a:endParaRPr lang="fr-FR" dirty="0" smtClean="0"/>
-          </a:p>
-          <a:p>
-            <a:pPr>
-              <a:buFontTx/>
-              <a:buChar char="-"/>
-            </a:pPr>
-            <a:r>
-              <a:rPr lang="fr-FR" sz="2800" dirty="0" smtClean="0"/>
-              <a:t>Intégrations</a:t>
-            </a:r>
-          </a:p>
-          <a:p>
-            <a:pPr>
-              <a:buFontTx/>
-              <a:buChar char="-"/>
-            </a:pPr>
-            <a:endParaRPr lang="fr-FR" sz="2800" dirty="0" smtClean="0"/>
-          </a:p>
-          <a:p>
-            <a:pPr>
-              <a:buFontTx/>
-              <a:buChar char="-"/>
-            </a:pPr>
-            <a:endParaRPr lang="fr-FR" sz="2800" dirty="0" smtClean="0"/>
-          </a:p>
-          <a:p>
-            <a:pPr>
-              <a:buFontTx/>
-              <a:buChar char="-"/>
-            </a:pPr>
-            <a:r>
-              <a:rPr lang="fr-FR" sz="2800" dirty="0" smtClean="0"/>
-              <a:t>Recettes</a:t>
-            </a:r>
-            <a:endParaRPr lang="fr-FR" sz="2800" dirty="0"/>
-          </a:p>
-        </p:txBody>
-      </p:sp>
+      </p:pic>
     </p:spTree>
-    <p:extLst>
-      <p:ext uri="{BB962C8B-B14F-4D97-AF65-F5344CB8AC3E}">
-        <p14:creationId xmlns:p14="http://schemas.microsoft.com/office/powerpoint/2010/main" xmlns="" val="3040487406"/>
-      </p:ext>
-    </p:extLst>
   </p:cSld>
   <p:clrMapOvr>
     <a:masterClrMapping/>
   </p:clrMapOvr>
-  <p:timing>
-    <p:tnLst>
-      <p:par>
-        <p:cTn id="1" dur="indefinite" restart="never" nodeType="tmRoot"/>
-      </p:par>
-    </p:tnLst>
-  </p:timing>
 </p:sld>
 </file>
 
